--- a/组会记录.pptx
+++ b/组会记录.pptx
@@ -104,6 +104,11 @@
       </a:defRPr>
     </a:lvl9pPr>
   </p:defaultTextStyle>
+  <p:extLst>
+    <p:ext uri="{EFAFB233-063F-42B5-8137-9DF3F51BA10A}">
+      <p15:sldGuideLst xmlns:p15="http://schemas.microsoft.com/office/powerpoint/2012/main"/>
+    </p:ext>
+  </p:extLst>
 </p:presentation>
 </file>
 
@@ -256,7 +261,7 @@
           <a:p>
             <a:fld id="{861149FB-4BF1-441C-8FB3-9540CC55BDE7}" type="datetimeFigureOut">
               <a:rPr lang="zh-CN" altLang="en-US" smtClean="0"/>
-              <a:t>2024/7/31</a:t>
+              <a:t>2024/9/13</a:t>
             </a:fld>
             <a:endParaRPr lang="zh-CN" altLang="en-US"/>
           </a:p>
@@ -456,7 +461,7 @@
           <a:p>
             <a:fld id="{861149FB-4BF1-441C-8FB3-9540CC55BDE7}" type="datetimeFigureOut">
               <a:rPr lang="zh-CN" altLang="en-US" smtClean="0"/>
-              <a:t>2024/7/31</a:t>
+              <a:t>2024/9/13</a:t>
             </a:fld>
             <a:endParaRPr lang="zh-CN" altLang="en-US"/>
           </a:p>
@@ -666,7 +671,7 @@
           <a:p>
             <a:fld id="{861149FB-4BF1-441C-8FB3-9540CC55BDE7}" type="datetimeFigureOut">
               <a:rPr lang="zh-CN" altLang="en-US" smtClean="0"/>
-              <a:t>2024/7/31</a:t>
+              <a:t>2024/9/13</a:t>
             </a:fld>
             <a:endParaRPr lang="zh-CN" altLang="en-US"/>
           </a:p>
@@ -866,7 +871,7 @@
           <a:p>
             <a:fld id="{861149FB-4BF1-441C-8FB3-9540CC55BDE7}" type="datetimeFigureOut">
               <a:rPr lang="zh-CN" altLang="en-US" smtClean="0"/>
-              <a:t>2024/7/31</a:t>
+              <a:t>2024/9/13</a:t>
             </a:fld>
             <a:endParaRPr lang="zh-CN" altLang="en-US"/>
           </a:p>
@@ -1142,7 +1147,7 @@
           <a:p>
             <a:fld id="{861149FB-4BF1-441C-8FB3-9540CC55BDE7}" type="datetimeFigureOut">
               <a:rPr lang="zh-CN" altLang="en-US" smtClean="0"/>
-              <a:t>2024/7/31</a:t>
+              <a:t>2024/9/13</a:t>
             </a:fld>
             <a:endParaRPr lang="zh-CN" altLang="en-US"/>
           </a:p>
@@ -1410,7 +1415,7 @@
           <a:p>
             <a:fld id="{861149FB-4BF1-441C-8FB3-9540CC55BDE7}" type="datetimeFigureOut">
               <a:rPr lang="zh-CN" altLang="en-US" smtClean="0"/>
-              <a:t>2024/7/31</a:t>
+              <a:t>2024/9/13</a:t>
             </a:fld>
             <a:endParaRPr lang="zh-CN" altLang="en-US"/>
           </a:p>
@@ -1825,7 +1830,7 @@
           <a:p>
             <a:fld id="{861149FB-4BF1-441C-8FB3-9540CC55BDE7}" type="datetimeFigureOut">
               <a:rPr lang="zh-CN" altLang="en-US" smtClean="0"/>
-              <a:t>2024/7/31</a:t>
+              <a:t>2024/9/13</a:t>
             </a:fld>
             <a:endParaRPr lang="zh-CN" altLang="en-US"/>
           </a:p>
@@ -1967,7 +1972,7 @@
           <a:p>
             <a:fld id="{861149FB-4BF1-441C-8FB3-9540CC55BDE7}" type="datetimeFigureOut">
               <a:rPr lang="zh-CN" altLang="en-US" smtClean="0"/>
-              <a:t>2024/7/31</a:t>
+              <a:t>2024/9/13</a:t>
             </a:fld>
             <a:endParaRPr lang="zh-CN" altLang="en-US"/>
           </a:p>
@@ -2080,7 +2085,7 @@
           <a:p>
             <a:fld id="{861149FB-4BF1-441C-8FB3-9540CC55BDE7}" type="datetimeFigureOut">
               <a:rPr lang="zh-CN" altLang="en-US" smtClean="0"/>
-              <a:t>2024/7/31</a:t>
+              <a:t>2024/9/13</a:t>
             </a:fld>
             <a:endParaRPr lang="zh-CN" altLang="en-US"/>
           </a:p>
@@ -2393,7 +2398,7 @@
           <a:p>
             <a:fld id="{861149FB-4BF1-441C-8FB3-9540CC55BDE7}" type="datetimeFigureOut">
               <a:rPr lang="zh-CN" altLang="en-US" smtClean="0"/>
-              <a:t>2024/7/31</a:t>
+              <a:t>2024/9/13</a:t>
             </a:fld>
             <a:endParaRPr lang="zh-CN" altLang="en-US"/>
           </a:p>
@@ -2682,7 +2687,7 @@
           <a:p>
             <a:fld id="{861149FB-4BF1-441C-8FB3-9540CC55BDE7}" type="datetimeFigureOut">
               <a:rPr lang="zh-CN" altLang="en-US" smtClean="0"/>
-              <a:t>2024/7/31</a:t>
+              <a:t>2024/9/13</a:t>
             </a:fld>
             <a:endParaRPr lang="zh-CN" altLang="en-US"/>
           </a:p>
@@ -2925,7 +2930,7 @@
           <a:p>
             <a:fld id="{861149FB-4BF1-441C-8FB3-9540CC55BDE7}" type="datetimeFigureOut">
               <a:rPr lang="zh-CN" altLang="en-US" smtClean="0"/>
-              <a:t>2024/7/31</a:t>
+              <a:t>2024/9/13</a:t>
             </a:fld>
             <a:endParaRPr lang="zh-CN" altLang="en-US"/>
           </a:p>
@@ -3357,7 +3362,7 @@
           <p:nvPr>
             <p:extLst>
               <p:ext uri="{D42A27DB-BD31-4B8C-83A1-F6EECF244321}">
-                <p14:modId xmlns:p14="http://schemas.microsoft.com/office/powerpoint/2010/main" val="1763669996"/>
+                <p14:modId xmlns:p14="http://schemas.microsoft.com/office/powerpoint/2010/main" val="2129923687"/>
               </p:ext>
             </p:extLst>
           </p:nvPr>
@@ -6300,6 +6305,13 @@
                     <a:bodyPr/>
                     <a:lstStyle/>
                     <a:p>
+                      <a:r>
+                        <a:rPr lang="en-US" altLang="zh-CN" dirty="0">
+                          <a:latin typeface="Times New Roman" panose="02020603050405020304" pitchFamily="18" charset="0"/>
+                          <a:cs typeface="Times New Roman" panose="02020603050405020304" pitchFamily="18" charset="0"/>
+                        </a:rPr>
+                        <a:t>2024/08/23</a:t>
+                      </a:r>
                       <a:endParaRPr lang="zh-CN" altLang="en-US" dirty="0">
                         <a:latin typeface="Times New Roman" panose="02020603050405020304" pitchFamily="18" charset="0"/>
                         <a:cs typeface="Times New Roman" panose="02020603050405020304" pitchFamily="18" charset="0"/>
@@ -6367,12 +6379,104 @@
                         <a:tabLst/>
                         <a:defRPr/>
                       </a:pPr>
-                      <a:endParaRPr lang="zh-CN" altLang="en-US" sz="1800" kern="100" dirty="0">
-                        <a:effectLst/>
-                        <a:latin typeface="宋体" panose="02010600030101010101" pitchFamily="2" charset="-122"/>
-                        <a:ea typeface="宋体" panose="02010600030101010101" pitchFamily="2" charset="-122"/>
-                        <a:cs typeface="Times New Roman" panose="02020603050405020304" pitchFamily="18" charset="0"/>
-                      </a:endParaRPr>
+                      <a:r>
+                        <a:rPr lang="zh-CN" altLang="en-US" sz="1800" kern="100" dirty="0">
+                          <a:effectLst/>
+                          <a:latin typeface="宋体" panose="02010600030101010101" pitchFamily="2" charset="-122"/>
+                          <a:ea typeface="宋体" panose="02010600030101010101" pitchFamily="2" charset="-122"/>
+                          <a:cs typeface="Times New Roman" panose="02020603050405020304" pitchFamily="18" charset="0"/>
+                        </a:rPr>
+                        <a:t>袁红刚</a:t>
+                      </a:r>
+                      <a:r>
+                        <a:rPr lang="en-US" altLang="zh-CN" sz="1800" kern="100" dirty="0">
+                          <a:effectLst/>
+                          <a:latin typeface="宋体" panose="02010600030101010101" pitchFamily="2" charset="-122"/>
+                          <a:ea typeface="宋体" panose="02010600030101010101" pitchFamily="2" charset="-122"/>
+                          <a:cs typeface="Times New Roman" panose="02020603050405020304" pitchFamily="18" charset="0"/>
+                        </a:rPr>
+                        <a:t>,</a:t>
+                      </a:r>
+                      <a:r>
+                        <a:rPr lang="zh-CN" altLang="en-US" sz="1800" kern="100" dirty="0">
+                          <a:effectLst/>
+                          <a:latin typeface="宋体" panose="02010600030101010101" pitchFamily="2" charset="-122"/>
+                          <a:ea typeface="宋体" panose="02010600030101010101" pitchFamily="2" charset="-122"/>
+                          <a:cs typeface="Times New Roman" panose="02020603050405020304" pitchFamily="18" charset="0"/>
+                        </a:rPr>
+                        <a:t>陈熙</a:t>
+                      </a:r>
+                      <a:r>
+                        <a:rPr lang="en-US" altLang="zh-CN" sz="1800" kern="100" dirty="0">
+                          <a:effectLst/>
+                          <a:latin typeface="宋体" panose="02010600030101010101" pitchFamily="2" charset="-122"/>
+                          <a:ea typeface="宋体" panose="02010600030101010101" pitchFamily="2" charset="-122"/>
+                          <a:cs typeface="Times New Roman" panose="02020603050405020304" pitchFamily="18" charset="0"/>
+                        </a:rPr>
+                        <a:t>,</a:t>
+                      </a:r>
+                      <a:r>
+                        <a:rPr lang="zh-CN" altLang="en-US" sz="1800" kern="100" dirty="0">
+                          <a:effectLst/>
+                          <a:latin typeface="宋体" panose="02010600030101010101" pitchFamily="2" charset="-122"/>
+                          <a:ea typeface="宋体" panose="02010600030101010101" pitchFamily="2" charset="-122"/>
+                          <a:cs typeface="Times New Roman" panose="02020603050405020304" pitchFamily="18" charset="0"/>
+                        </a:rPr>
+                        <a:t>陈柳昂</a:t>
+                      </a:r>
+                      <a:r>
+                        <a:rPr lang="en-US" altLang="zh-CN" sz="1800" kern="100" dirty="0">
+                          <a:effectLst/>
+                          <a:latin typeface="宋体" panose="02010600030101010101" pitchFamily="2" charset="-122"/>
+                          <a:ea typeface="宋体" panose="02010600030101010101" pitchFamily="2" charset="-122"/>
+                          <a:cs typeface="Times New Roman" panose="02020603050405020304" pitchFamily="18" charset="0"/>
+                        </a:rPr>
+                        <a:t>,</a:t>
+                      </a:r>
+                      <a:r>
+                        <a:rPr lang="zh-CN" altLang="en-US" sz="1800" kern="100" dirty="0">
+                          <a:effectLst/>
+                          <a:latin typeface="宋体" panose="02010600030101010101" pitchFamily="2" charset="-122"/>
+                          <a:ea typeface="宋体" panose="02010600030101010101" pitchFamily="2" charset="-122"/>
+                          <a:cs typeface="Times New Roman" panose="02020603050405020304" pitchFamily="18" charset="0"/>
+                        </a:rPr>
+                        <a:t>陈韶昱</a:t>
+                      </a:r>
+                      <a:r>
+                        <a:rPr lang="en-US" altLang="zh-CN" kern="100" dirty="0">
+                          <a:latin typeface="宋体" panose="02010600030101010101" pitchFamily="2" charset="-122"/>
+                          <a:ea typeface="宋体" panose="02010600030101010101" pitchFamily="2" charset="-122"/>
+                          <a:cs typeface="Times New Roman" panose="02020603050405020304" pitchFamily="18" charset="0"/>
+                        </a:rPr>
+                        <a:t>,</a:t>
+                      </a:r>
+                      <a:r>
+                        <a:rPr lang="zh-CN" altLang="en-US" sz="1800" kern="100" dirty="0">
+                          <a:effectLst/>
+                          <a:latin typeface="宋体" panose="02010600030101010101" pitchFamily="2" charset="-122"/>
+                          <a:ea typeface="宋体" panose="02010600030101010101" pitchFamily="2" charset="-122"/>
+                          <a:cs typeface="Times New Roman" panose="02020603050405020304" pitchFamily="18" charset="0"/>
+                        </a:rPr>
+                        <a:t>殷宇龙</a:t>
+                      </a:r>
+                      <a:r>
+                        <a:rPr lang="en-US" altLang="zh-CN" sz="1800" kern="100" dirty="0">
+                          <a:effectLst/>
+                          <a:latin typeface="宋体" panose="02010600030101010101" pitchFamily="2" charset="-122"/>
+                          <a:ea typeface="宋体" panose="02010600030101010101" pitchFamily="2" charset="-122"/>
+                          <a:cs typeface="Times New Roman" panose="02020603050405020304" pitchFamily="18" charset="0"/>
+                        </a:rPr>
+                        <a:t>,</a:t>
+                      </a:r>
+                      <a:r>
+                        <a:rPr lang="zh-CN" altLang="en-US" sz="1800" kern="100" dirty="0">
+                          <a:effectLst/>
+                          <a:latin typeface="宋体" panose="02010600030101010101" pitchFamily="2" charset="-122"/>
+                          <a:ea typeface="宋体" panose="02010600030101010101" pitchFamily="2" charset="-122"/>
+                          <a:cs typeface="Times New Roman" panose="02020603050405020304" pitchFamily="18" charset="0"/>
+                        </a:rPr>
+                        <a:t>丁林军</a:t>
+                      </a:r>
                     </a:p>
                   </a:txBody>
                   <a:tcPr>
@@ -6426,6 +6530,13 @@
                     <a:bodyPr/>
                     <a:lstStyle/>
                     <a:p>
+                      <a:r>
+                        <a:rPr lang="en-US" altLang="zh-CN" dirty="0">
+                          <a:latin typeface="Times New Roman" panose="02020603050405020304" pitchFamily="18" charset="0"/>
+                          <a:cs typeface="Times New Roman" panose="02020603050405020304" pitchFamily="18" charset="0"/>
+                        </a:rPr>
+                        <a:t>2024/08/30</a:t>
+                      </a:r>
                       <a:endParaRPr lang="zh-CN" altLang="en-US" dirty="0">
                         <a:latin typeface="Times New Roman" panose="02020603050405020304" pitchFamily="18" charset="0"/>
                         <a:cs typeface="Times New Roman" panose="02020603050405020304" pitchFamily="18" charset="0"/>
@@ -6493,6 +6604,77 @@
                         <a:tabLst/>
                         <a:defRPr/>
                       </a:pPr>
+                      <a:r>
+                        <a:rPr lang="zh-CN" altLang="en-US" sz="1800" kern="100" dirty="0">
+                          <a:effectLst/>
+                          <a:latin typeface="宋体" panose="02010600030101010101" pitchFamily="2" charset="-122"/>
+                          <a:ea typeface="宋体" panose="02010600030101010101" pitchFamily="2" charset="-122"/>
+                          <a:cs typeface="Times New Roman" panose="02020603050405020304" pitchFamily="18" charset="0"/>
+                        </a:rPr>
+                        <a:t>陈熙，陈柳昂</a:t>
+                      </a:r>
+                      <a:r>
+                        <a:rPr lang="en-US" altLang="zh-CN" sz="1800" kern="100" dirty="0">
+                          <a:effectLst/>
+                          <a:latin typeface="宋体" panose="02010600030101010101" pitchFamily="2" charset="-122"/>
+                          <a:ea typeface="宋体" panose="02010600030101010101" pitchFamily="2" charset="-122"/>
+                          <a:cs typeface="Times New Roman" panose="02020603050405020304" pitchFamily="18" charset="0"/>
+                        </a:rPr>
+                        <a:t>,</a:t>
+                      </a:r>
+                      <a:r>
+                        <a:rPr lang="zh-CN" altLang="en-US" sz="1800" kern="100" dirty="0">
+                          <a:effectLst/>
+                          <a:latin typeface="宋体" panose="02010600030101010101" pitchFamily="2" charset="-122"/>
+                          <a:ea typeface="宋体" panose="02010600030101010101" pitchFamily="2" charset="-122"/>
+                          <a:cs typeface="Times New Roman" panose="02020603050405020304" pitchFamily="18" charset="0"/>
+                        </a:rPr>
+                        <a:t>陈韶昱</a:t>
+                      </a:r>
+                      <a:r>
+                        <a:rPr lang="en-US" altLang="zh-CN" kern="100" dirty="0">
+                          <a:latin typeface="宋体" panose="02010600030101010101" pitchFamily="2" charset="-122"/>
+                          <a:ea typeface="宋体" panose="02010600030101010101" pitchFamily="2" charset="-122"/>
+                          <a:cs typeface="Times New Roman" panose="02020603050405020304" pitchFamily="18" charset="0"/>
+                        </a:rPr>
+                        <a:t>,</a:t>
+                      </a:r>
+                      <a:r>
+                        <a:rPr lang="zh-CN" altLang="en-US" sz="1800" kern="100" dirty="0">
+                          <a:effectLst/>
+                          <a:latin typeface="宋体" panose="02010600030101010101" pitchFamily="2" charset="-122"/>
+                          <a:ea typeface="宋体" panose="02010600030101010101" pitchFamily="2" charset="-122"/>
+                          <a:cs typeface="Times New Roman" panose="02020603050405020304" pitchFamily="18" charset="0"/>
+                        </a:rPr>
+                        <a:t>殷宇龙</a:t>
+                      </a:r>
+                      <a:r>
+                        <a:rPr lang="en-US" altLang="zh-CN" sz="1800" kern="100" dirty="0">
+                          <a:effectLst/>
+                          <a:latin typeface="宋体" panose="02010600030101010101" pitchFamily="2" charset="-122"/>
+                          <a:ea typeface="宋体" panose="02010600030101010101" pitchFamily="2" charset="-122"/>
+                          <a:cs typeface="Times New Roman" panose="02020603050405020304" pitchFamily="18" charset="0"/>
+                        </a:rPr>
+                        <a:t>,</a:t>
+                      </a:r>
+                      <a:r>
+                        <a:rPr lang="zh-CN" altLang="en-US" sz="1800" kern="100" dirty="0">
+                          <a:effectLst/>
+                          <a:latin typeface="宋体" panose="02010600030101010101" pitchFamily="2" charset="-122"/>
+                          <a:ea typeface="宋体" panose="02010600030101010101" pitchFamily="2" charset="-122"/>
+                          <a:cs typeface="Times New Roman" panose="02020603050405020304" pitchFamily="18" charset="0"/>
+                        </a:rPr>
+                        <a:t>丁</a:t>
+                      </a:r>
+                      <a:r>
+                        <a:rPr lang="zh-CN" altLang="en-US" sz="1800" kern="100">
+                          <a:effectLst/>
+                          <a:latin typeface="宋体" panose="02010600030101010101" pitchFamily="2" charset="-122"/>
+                          <a:ea typeface="宋体" panose="02010600030101010101" pitchFamily="2" charset="-122"/>
+                          <a:cs typeface="Times New Roman" panose="02020603050405020304" pitchFamily="18" charset="0"/>
+                        </a:rPr>
+                        <a:t>林军，程钰洋</a:t>
+                      </a:r>
                       <a:endParaRPr lang="zh-CN" altLang="en-US" sz="1800" kern="100" dirty="0">
                         <a:effectLst/>
                         <a:latin typeface="宋体" panose="02010600030101010101" pitchFamily="2" charset="-122"/>

--- a/组会记录.pptx
+++ b/组会记录.pptx
@@ -6,6 +6,7 @@
   </p:sldMasterIdLst>
   <p:sldIdLst>
     <p:sldId id="257" r:id="rId2"/>
+    <p:sldId id="258" r:id="rId3"/>
   </p:sldIdLst>
   <p:sldSz cx="12192000" cy="6858000"/>
   <p:notesSz cx="6858000" cy="9144000"/>
@@ -261,7 +262,7 @@
           <a:p>
             <a:fld id="{861149FB-4BF1-441C-8FB3-9540CC55BDE7}" type="datetimeFigureOut">
               <a:rPr lang="zh-CN" altLang="en-US" smtClean="0"/>
-              <a:t>2024/9/13</a:t>
+              <a:t>2024/9/20</a:t>
             </a:fld>
             <a:endParaRPr lang="zh-CN" altLang="en-US"/>
           </a:p>
@@ -461,7 +462,7 @@
           <a:p>
             <a:fld id="{861149FB-4BF1-441C-8FB3-9540CC55BDE7}" type="datetimeFigureOut">
               <a:rPr lang="zh-CN" altLang="en-US" smtClean="0"/>
-              <a:t>2024/9/13</a:t>
+              <a:t>2024/9/20</a:t>
             </a:fld>
             <a:endParaRPr lang="zh-CN" altLang="en-US"/>
           </a:p>
@@ -671,7 +672,7 @@
           <a:p>
             <a:fld id="{861149FB-4BF1-441C-8FB3-9540CC55BDE7}" type="datetimeFigureOut">
               <a:rPr lang="zh-CN" altLang="en-US" smtClean="0"/>
-              <a:t>2024/9/13</a:t>
+              <a:t>2024/9/20</a:t>
             </a:fld>
             <a:endParaRPr lang="zh-CN" altLang="en-US"/>
           </a:p>
@@ -871,7 +872,7 @@
           <a:p>
             <a:fld id="{861149FB-4BF1-441C-8FB3-9540CC55BDE7}" type="datetimeFigureOut">
               <a:rPr lang="zh-CN" altLang="en-US" smtClean="0"/>
-              <a:t>2024/9/13</a:t>
+              <a:t>2024/9/20</a:t>
             </a:fld>
             <a:endParaRPr lang="zh-CN" altLang="en-US"/>
           </a:p>
@@ -1147,7 +1148,7 @@
           <a:p>
             <a:fld id="{861149FB-4BF1-441C-8FB3-9540CC55BDE7}" type="datetimeFigureOut">
               <a:rPr lang="zh-CN" altLang="en-US" smtClean="0"/>
-              <a:t>2024/9/13</a:t>
+              <a:t>2024/9/20</a:t>
             </a:fld>
             <a:endParaRPr lang="zh-CN" altLang="en-US"/>
           </a:p>
@@ -1415,7 +1416,7 @@
           <a:p>
             <a:fld id="{861149FB-4BF1-441C-8FB3-9540CC55BDE7}" type="datetimeFigureOut">
               <a:rPr lang="zh-CN" altLang="en-US" smtClean="0"/>
-              <a:t>2024/9/13</a:t>
+              <a:t>2024/9/20</a:t>
             </a:fld>
             <a:endParaRPr lang="zh-CN" altLang="en-US"/>
           </a:p>
@@ -1830,7 +1831,7 @@
           <a:p>
             <a:fld id="{861149FB-4BF1-441C-8FB3-9540CC55BDE7}" type="datetimeFigureOut">
               <a:rPr lang="zh-CN" altLang="en-US" smtClean="0"/>
-              <a:t>2024/9/13</a:t>
+              <a:t>2024/9/20</a:t>
             </a:fld>
             <a:endParaRPr lang="zh-CN" altLang="en-US"/>
           </a:p>
@@ -1972,7 +1973,7 @@
           <a:p>
             <a:fld id="{861149FB-4BF1-441C-8FB3-9540CC55BDE7}" type="datetimeFigureOut">
               <a:rPr lang="zh-CN" altLang="en-US" smtClean="0"/>
-              <a:t>2024/9/13</a:t>
+              <a:t>2024/9/20</a:t>
             </a:fld>
             <a:endParaRPr lang="zh-CN" altLang="en-US"/>
           </a:p>
@@ -2085,7 +2086,7 @@
           <a:p>
             <a:fld id="{861149FB-4BF1-441C-8FB3-9540CC55BDE7}" type="datetimeFigureOut">
               <a:rPr lang="zh-CN" altLang="en-US" smtClean="0"/>
-              <a:t>2024/9/13</a:t>
+              <a:t>2024/9/20</a:t>
             </a:fld>
             <a:endParaRPr lang="zh-CN" altLang="en-US"/>
           </a:p>
@@ -2398,7 +2399,7 @@
           <a:p>
             <a:fld id="{861149FB-4BF1-441C-8FB3-9540CC55BDE7}" type="datetimeFigureOut">
               <a:rPr lang="zh-CN" altLang="en-US" smtClean="0"/>
-              <a:t>2024/9/13</a:t>
+              <a:t>2024/9/20</a:t>
             </a:fld>
             <a:endParaRPr lang="zh-CN" altLang="en-US"/>
           </a:p>
@@ -2687,7 +2688,7 @@
           <a:p>
             <a:fld id="{861149FB-4BF1-441C-8FB3-9540CC55BDE7}" type="datetimeFigureOut">
               <a:rPr lang="zh-CN" altLang="en-US" smtClean="0"/>
-              <a:t>2024/9/13</a:t>
+              <a:t>2024/9/20</a:t>
             </a:fld>
             <a:endParaRPr lang="zh-CN" altLang="en-US"/>
           </a:p>
@@ -2930,7 +2931,7 @@
           <a:p>
             <a:fld id="{861149FB-4BF1-441C-8FB3-9540CC55BDE7}" type="datetimeFigureOut">
               <a:rPr lang="zh-CN" altLang="en-US" smtClean="0"/>
-              <a:t>2024/9/13</a:t>
+              <a:t>2024/9/20</a:t>
             </a:fld>
             <a:endParaRPr lang="zh-CN" altLang="en-US"/>
           </a:p>
@@ -3362,7 +3363,7 @@
           <p:nvPr>
             <p:extLst>
               <p:ext uri="{D42A27DB-BD31-4B8C-83A1-F6EECF244321}">
-                <p14:modId xmlns:p14="http://schemas.microsoft.com/office/powerpoint/2010/main" val="2129923687"/>
+                <p14:modId xmlns:p14="http://schemas.microsoft.com/office/powerpoint/2010/main" val="1787969249"/>
               </p:ext>
             </p:extLst>
           </p:nvPr>
@@ -6664,23 +6665,8 @@
                           <a:ea typeface="宋体" panose="02010600030101010101" pitchFamily="2" charset="-122"/>
                           <a:cs typeface="Times New Roman" panose="02020603050405020304" pitchFamily="18" charset="0"/>
                         </a:rPr>
-                        <a:t>丁</a:t>
-                      </a:r>
-                      <a:r>
-                        <a:rPr lang="zh-CN" altLang="en-US" sz="1800" kern="100">
-                          <a:effectLst/>
-                          <a:latin typeface="宋体" panose="02010600030101010101" pitchFamily="2" charset="-122"/>
-                          <a:ea typeface="宋体" panose="02010600030101010101" pitchFamily="2" charset="-122"/>
-                          <a:cs typeface="Times New Roman" panose="02020603050405020304" pitchFamily="18" charset="0"/>
-                        </a:rPr>
-                        <a:t>林军，程钰洋</a:t>
-                      </a:r>
-                      <a:endParaRPr lang="zh-CN" altLang="en-US" sz="1800" kern="100" dirty="0">
-                        <a:effectLst/>
-                        <a:latin typeface="宋体" panose="02010600030101010101" pitchFamily="2" charset="-122"/>
-                        <a:ea typeface="宋体" panose="02010600030101010101" pitchFamily="2" charset="-122"/>
-                        <a:cs typeface="Times New Roman" panose="02020603050405020304" pitchFamily="18" charset="0"/>
-                      </a:endParaRPr>
+                        <a:t>丁林军，程钰洋</a:t>
+                      </a:r>
                     </a:p>
                   </a:txBody>
                   <a:tcPr>
@@ -6734,7 +6720,662 @@
                     <a:bodyPr/>
                     <a:lstStyle/>
                     <a:p>
+                      <a:r>
+                        <a:rPr lang="en-US" altLang="zh-CN" dirty="0" smtClean="0">
+                          <a:latin typeface="Times New Roman" panose="02020603050405020304" pitchFamily="18" charset="0"/>
+                          <a:cs typeface="Times New Roman" panose="02020603050405020304" pitchFamily="18" charset="0"/>
+                        </a:rPr>
+                        <a:t>2024/09/13</a:t>
+                      </a:r>
                       <a:endParaRPr lang="zh-CN" altLang="en-US" dirty="0">
+                        <a:latin typeface="Times New Roman" panose="02020603050405020304" pitchFamily="18" charset="0"/>
+                        <a:cs typeface="Times New Roman" panose="02020603050405020304" pitchFamily="18" charset="0"/>
+                      </a:endParaRPr>
+                    </a:p>
+                  </a:txBody>
+                  <a:tcPr>
+                    <a:lnL w="12700" cap="flat" cmpd="sng" algn="ctr">
+                      <a:solidFill>
+                        <a:schemeClr val="tx1"/>
+                      </a:solidFill>
+                      <a:prstDash val="solid"/>
+                      <a:round/>
+                      <a:headEnd type="none" w="med" len="med"/>
+                      <a:tailEnd type="none" w="med" len="med"/>
+                    </a:lnL>
+                    <a:lnR w="12700" cap="flat" cmpd="sng" algn="ctr">
+                      <a:solidFill>
+                        <a:schemeClr val="tx1"/>
+                      </a:solidFill>
+                      <a:prstDash val="solid"/>
+                      <a:round/>
+                      <a:headEnd type="none" w="med" len="med"/>
+                      <a:tailEnd type="none" w="med" len="med"/>
+                    </a:lnR>
+                    <a:lnT w="12700" cap="flat" cmpd="sng" algn="ctr">
+                      <a:solidFill>
+                        <a:schemeClr val="tx1"/>
+                      </a:solidFill>
+                      <a:prstDash val="solid"/>
+                      <a:round/>
+                      <a:headEnd type="none" w="med" len="med"/>
+                      <a:tailEnd type="none" w="med" len="med"/>
+                    </a:lnT>
+                    <a:lnB w="12700" cap="flat" cmpd="sng" algn="ctr">
+                      <a:solidFill>
+                        <a:schemeClr val="tx1"/>
+                      </a:solidFill>
+                      <a:prstDash val="solid"/>
+                      <a:round/>
+                      <a:headEnd type="none" w="med" len="med"/>
+                      <a:tailEnd type="none" w="med" len="med"/>
+                    </a:lnB>
+                  </a:tcPr>
+                </a:tc>
+                <a:tc>
+                  <a:txBody>
+                    <a:bodyPr/>
+                    <a:lstStyle/>
+                    <a:p>
+                      <a:pPr marL="0" marR="0" lvl="0" indent="0" algn="l" defTabSz="914400" rtl="0" eaLnBrk="1" fontAlgn="auto" latinLnBrk="0" hangingPunct="1">
+                        <a:lnSpc>
+                          <a:spcPct val="100000"/>
+                        </a:lnSpc>
+                        <a:spcBef>
+                          <a:spcPts val="0"/>
+                        </a:spcBef>
+                        <a:spcAft>
+                          <a:spcPts val="0"/>
+                        </a:spcAft>
+                        <a:buClrTx/>
+                        <a:buSzTx/>
+                        <a:buFontTx/>
+                        <a:buNone/>
+                        <a:tabLst/>
+                        <a:defRPr/>
+                      </a:pPr>
+                      <a:r>
+                        <a:rPr lang="zh-CN" altLang="en-US" sz="1800" kern="100" dirty="0" smtClean="0">
+                          <a:effectLst/>
+                          <a:latin typeface="宋体" panose="02010600030101010101" pitchFamily="2" charset="-122"/>
+                          <a:ea typeface="宋体" panose="02010600030101010101" pitchFamily="2" charset="-122"/>
+                          <a:cs typeface="Times New Roman" panose="02020603050405020304" pitchFamily="18" charset="0"/>
+                        </a:rPr>
+                        <a:t>袁红刚</a:t>
+                      </a:r>
+                      <a:r>
+                        <a:rPr lang="en-US" altLang="zh-CN" sz="1800" kern="100" dirty="0" smtClean="0">
+                          <a:effectLst/>
+                          <a:latin typeface="宋体" panose="02010600030101010101" pitchFamily="2" charset="-122"/>
+                          <a:ea typeface="宋体" panose="02010600030101010101" pitchFamily="2" charset="-122"/>
+                          <a:cs typeface="Times New Roman" panose="02020603050405020304" pitchFamily="18" charset="0"/>
+                        </a:rPr>
+                        <a:t>,</a:t>
+                      </a:r>
+                      <a:r>
+                        <a:rPr lang="zh-CN" altLang="en-US" sz="1800" kern="100" dirty="0" smtClean="0">
+                          <a:effectLst/>
+                          <a:latin typeface="宋体" panose="02010600030101010101" pitchFamily="2" charset="-122"/>
+                          <a:ea typeface="宋体" panose="02010600030101010101" pitchFamily="2" charset="-122"/>
+                          <a:cs typeface="Times New Roman" panose="02020603050405020304" pitchFamily="18" charset="0"/>
+                        </a:rPr>
+                        <a:t>陈熙</a:t>
+                      </a:r>
+                      <a:r>
+                        <a:rPr lang="en-US" altLang="zh-CN" sz="1800" kern="100" dirty="0" smtClean="0">
+                          <a:effectLst/>
+                          <a:latin typeface="宋体" panose="02010600030101010101" pitchFamily="2" charset="-122"/>
+                          <a:ea typeface="宋体" panose="02010600030101010101" pitchFamily="2" charset="-122"/>
+                          <a:cs typeface="Times New Roman" panose="02020603050405020304" pitchFamily="18" charset="0"/>
+                        </a:rPr>
+                        <a:t>,</a:t>
+                      </a:r>
+                      <a:r>
+                        <a:rPr lang="zh-CN" altLang="en-US" sz="1800" kern="100" dirty="0" smtClean="0">
+                          <a:effectLst/>
+                          <a:latin typeface="宋体" panose="02010600030101010101" pitchFamily="2" charset="-122"/>
+                          <a:ea typeface="宋体" panose="02010600030101010101" pitchFamily="2" charset="-122"/>
+                          <a:cs typeface="Times New Roman" panose="02020603050405020304" pitchFamily="18" charset="0"/>
+                        </a:rPr>
+                        <a:t>陈柳昂</a:t>
+                      </a:r>
+                      <a:r>
+                        <a:rPr lang="en-US" altLang="zh-CN" sz="1800" kern="100" dirty="0" smtClean="0">
+                          <a:effectLst/>
+                          <a:latin typeface="宋体" panose="02010600030101010101" pitchFamily="2" charset="-122"/>
+                          <a:ea typeface="宋体" panose="02010600030101010101" pitchFamily="2" charset="-122"/>
+                          <a:cs typeface="Times New Roman" panose="02020603050405020304" pitchFamily="18" charset="0"/>
+                        </a:rPr>
+                        <a:t>,</a:t>
+                      </a:r>
+                      <a:r>
+                        <a:rPr lang="zh-CN" altLang="en-US" sz="1800" kern="100" dirty="0" smtClean="0">
+                          <a:effectLst/>
+                          <a:latin typeface="宋体" panose="02010600030101010101" pitchFamily="2" charset="-122"/>
+                          <a:ea typeface="宋体" panose="02010600030101010101" pitchFamily="2" charset="-122"/>
+                          <a:cs typeface="Times New Roman" panose="02020603050405020304" pitchFamily="18" charset="0"/>
+                        </a:rPr>
+                        <a:t>陈韶昱</a:t>
+                      </a:r>
+                      <a:r>
+                        <a:rPr lang="en-US" altLang="zh-CN" kern="100" dirty="0" smtClean="0">
+                          <a:latin typeface="宋体" panose="02010600030101010101" pitchFamily="2" charset="-122"/>
+                          <a:ea typeface="宋体" panose="02010600030101010101" pitchFamily="2" charset="-122"/>
+                          <a:cs typeface="Times New Roman" panose="02020603050405020304" pitchFamily="18" charset="0"/>
+                        </a:rPr>
+                        <a:t>,</a:t>
+                      </a:r>
+                      <a:r>
+                        <a:rPr lang="zh-CN" altLang="en-US" sz="1800" kern="100" dirty="0" smtClean="0">
+                          <a:effectLst/>
+                          <a:latin typeface="宋体" panose="02010600030101010101" pitchFamily="2" charset="-122"/>
+                          <a:ea typeface="宋体" panose="02010600030101010101" pitchFamily="2" charset="-122"/>
+                          <a:cs typeface="Times New Roman" panose="02020603050405020304" pitchFamily="18" charset="0"/>
+                        </a:rPr>
+                        <a:t>殷宇龙，程钰洋</a:t>
+                      </a:r>
+                    </a:p>
+                  </a:txBody>
+                  <a:tcPr>
+                    <a:lnL w="12700" cap="flat" cmpd="sng" algn="ctr">
+                      <a:solidFill>
+                        <a:schemeClr val="tx1"/>
+                      </a:solidFill>
+                      <a:prstDash val="solid"/>
+                      <a:round/>
+                      <a:headEnd type="none" w="med" len="med"/>
+                      <a:tailEnd type="none" w="med" len="med"/>
+                    </a:lnL>
+                    <a:lnR w="12700" cap="flat" cmpd="sng" algn="ctr">
+                      <a:solidFill>
+                        <a:schemeClr val="tx1"/>
+                      </a:solidFill>
+                      <a:prstDash val="solid"/>
+                      <a:round/>
+                      <a:headEnd type="none" w="med" len="med"/>
+                      <a:tailEnd type="none" w="med" len="med"/>
+                    </a:lnR>
+                    <a:lnT w="12700" cap="flat" cmpd="sng" algn="ctr">
+                      <a:solidFill>
+                        <a:schemeClr val="tx1"/>
+                      </a:solidFill>
+                      <a:prstDash val="solid"/>
+                      <a:round/>
+                      <a:headEnd type="none" w="med" len="med"/>
+                      <a:tailEnd type="none" w="med" len="med"/>
+                    </a:lnT>
+                    <a:lnB w="12700" cap="flat" cmpd="sng" algn="ctr">
+                      <a:solidFill>
+                        <a:schemeClr val="tx1"/>
+                      </a:solidFill>
+                      <a:prstDash val="solid"/>
+                      <a:round/>
+                      <a:headEnd type="none" w="med" len="med"/>
+                      <a:tailEnd type="none" w="med" len="med"/>
+                    </a:lnB>
+                  </a:tcPr>
+                </a:tc>
+                <a:extLst>
+                  <a:ext uri="{0D108BD9-81ED-4DB2-BD59-A6C34878D82A}">
+                    <a16:rowId xmlns:a16="http://schemas.microsoft.com/office/drawing/2014/main" val="3387294198"/>
+                  </a:ext>
+                </a:extLst>
+              </a:tr>
+            </a:tbl>
+          </a:graphicData>
+        </a:graphic>
+      </p:graphicFrame>
+    </p:spTree>
+    <p:extLst>
+      <p:ext uri="{BB962C8B-B14F-4D97-AF65-F5344CB8AC3E}">
+        <p14:creationId xmlns:p14="http://schemas.microsoft.com/office/powerpoint/2010/main" val="2189773799"/>
+      </p:ext>
+    </p:extLst>
+  </p:cSld>
+  <p:clrMapOvr>
+    <a:masterClrMapping/>
+  </p:clrMapOvr>
+</p:sld>
+</file>
+
+<file path=ppt/slides/slide2.xml><?xml version="1.0" encoding="utf-8"?>
+<p:sld xmlns:a="http://schemas.openxmlformats.org/drawingml/2006/main" xmlns:r="http://schemas.openxmlformats.org/officeDocument/2006/relationships" xmlns:p="http://schemas.openxmlformats.org/presentationml/2006/main">
+  <p:cSld>
+    <p:spTree>
+      <p:nvGrpSpPr>
+        <p:cNvPr id="1" name=""/>
+        <p:cNvGrpSpPr/>
+        <p:nvPr/>
+      </p:nvGrpSpPr>
+      <p:grpSpPr>
+        <a:xfrm>
+          <a:off x="0" y="0"/>
+          <a:ext cx="0" cy="0"/>
+          <a:chOff x="0" y="0"/>
+          <a:chExt cx="0" cy="0"/>
+        </a:xfrm>
+      </p:grpSpPr>
+      <p:graphicFrame>
+        <p:nvGraphicFramePr>
+          <p:cNvPr id="2" name="Table 1">
+            <a:extLst>
+              <a:ext uri="{FF2B5EF4-FFF2-40B4-BE49-F238E27FC236}">
+                <a16:creationId xmlns:a16="http://schemas.microsoft.com/office/drawing/2014/main" id="{C702B5E1-F398-59F3-07C7-4071511AD421}"/>
+              </a:ext>
+            </a:extLst>
+          </p:cNvPr>
+          <p:cNvGraphicFramePr>
+            <a:graphicFrameLocks noGrp="1"/>
+          </p:cNvGraphicFramePr>
+          <p:nvPr>
+            <p:extLst>
+              <p:ext uri="{D42A27DB-BD31-4B8C-83A1-F6EECF244321}">
+                <p14:modId xmlns:p14="http://schemas.microsoft.com/office/powerpoint/2010/main" val="1693616033"/>
+              </p:ext>
+            </p:extLst>
+          </p:nvPr>
+        </p:nvGraphicFramePr>
+        <p:xfrm>
+          <a:off x="417119" y="255862"/>
+          <a:ext cx="10949963" cy="6304280"/>
+        </p:xfrm>
+        <a:graphic>
+          <a:graphicData uri="http://schemas.openxmlformats.org/drawingml/2006/table">
+            <a:tbl>
+              <a:tblPr firstRow="1" bandRow="1">
+                <a:tableStyleId>{2D5ABB26-0587-4C30-8999-92F81FD0307C}</a:tableStyleId>
+              </a:tblPr>
+              <a:tblGrid>
+                <a:gridCol w="2043071">
+                  <a:extLst>
+                    <a:ext uri="{9D8B030D-6E8A-4147-A177-3AD203B41FA5}">
+                      <a16:colId xmlns:a16="http://schemas.microsoft.com/office/drawing/2014/main" val="1497975075"/>
+                    </a:ext>
+                  </a:extLst>
+                </a:gridCol>
+                <a:gridCol w="8906892">
+                  <a:extLst>
+                    <a:ext uri="{9D8B030D-6E8A-4147-A177-3AD203B41FA5}">
+                      <a16:colId xmlns:a16="http://schemas.microsoft.com/office/drawing/2014/main" val="35640975"/>
+                    </a:ext>
+                  </a:extLst>
+                </a:gridCol>
+              </a:tblGrid>
+              <a:tr h="370840">
+                <a:tc>
+                  <a:txBody>
+                    <a:bodyPr/>
+                    <a:lstStyle/>
+                    <a:p>
+                      <a:pPr marL="0" marR="0" lvl="0" indent="0" algn="l" defTabSz="914400" rtl="0" eaLnBrk="1" fontAlgn="auto" latinLnBrk="0" hangingPunct="1">
+                        <a:lnSpc>
+                          <a:spcPct val="100000"/>
+                        </a:lnSpc>
+                        <a:spcBef>
+                          <a:spcPts val="0"/>
+                        </a:spcBef>
+                        <a:spcAft>
+                          <a:spcPts val="0"/>
+                        </a:spcAft>
+                        <a:buClrTx/>
+                        <a:buSzTx/>
+                        <a:buFontTx/>
+                        <a:buNone/>
+                        <a:tabLst/>
+                        <a:defRPr/>
+                      </a:pPr>
+                      <a:r>
+                        <a:rPr lang="en-US" altLang="zh-CN" sz="1800" dirty="0" smtClean="0">
+                          <a:latin typeface="Times New Roman" panose="02020603050405020304" pitchFamily="18" charset="0"/>
+                          <a:cs typeface="Times New Roman" panose="02020603050405020304" pitchFamily="18" charset="0"/>
+                        </a:rPr>
+                        <a:t>2024/09/20</a:t>
+                      </a:r>
+                      <a:endParaRPr lang="zh-CN" altLang="en-US" sz="1800" dirty="0">
+                        <a:latin typeface="Times New Roman" panose="02020603050405020304" pitchFamily="18" charset="0"/>
+                        <a:cs typeface="Times New Roman" panose="02020603050405020304" pitchFamily="18" charset="0"/>
+                      </a:endParaRPr>
+                    </a:p>
+                  </a:txBody>
+                  <a:tcPr>
+                    <a:lnL w="12700" cap="flat" cmpd="sng" algn="ctr">
+                      <a:solidFill>
+                        <a:schemeClr val="tx1"/>
+                      </a:solidFill>
+                      <a:prstDash val="solid"/>
+                      <a:round/>
+                      <a:headEnd type="none" w="med" len="med"/>
+                      <a:tailEnd type="none" w="med" len="med"/>
+                    </a:lnL>
+                    <a:lnR w="12700" cap="flat" cmpd="sng" algn="ctr">
+                      <a:solidFill>
+                        <a:schemeClr val="tx1"/>
+                      </a:solidFill>
+                      <a:prstDash val="solid"/>
+                      <a:round/>
+                      <a:headEnd type="none" w="med" len="med"/>
+                      <a:tailEnd type="none" w="med" len="med"/>
+                    </a:lnR>
+                    <a:lnT w="12700" cap="flat" cmpd="sng" algn="ctr">
+                      <a:solidFill>
+                        <a:schemeClr val="tx1"/>
+                      </a:solidFill>
+                      <a:prstDash val="solid"/>
+                      <a:round/>
+                      <a:headEnd type="none" w="med" len="med"/>
+                      <a:tailEnd type="none" w="med" len="med"/>
+                    </a:lnT>
+                    <a:lnB w="12700" cap="flat" cmpd="sng" algn="ctr">
+                      <a:solidFill>
+                        <a:schemeClr val="tx1"/>
+                      </a:solidFill>
+                      <a:prstDash val="solid"/>
+                      <a:round/>
+                      <a:headEnd type="none" w="med" len="med"/>
+                      <a:tailEnd type="none" w="med" len="med"/>
+                    </a:lnB>
+                  </a:tcPr>
+                </a:tc>
+                <a:tc>
+                  <a:txBody>
+                    <a:bodyPr/>
+                    <a:lstStyle/>
+                    <a:p>
+                      <a:pPr marL="0" marR="0" lvl="0" indent="0" algn="just" defTabSz="914400" rtl="0" eaLnBrk="1" fontAlgn="auto" latinLnBrk="0" hangingPunct="1">
+                        <a:lnSpc>
+                          <a:spcPct val="100000"/>
+                        </a:lnSpc>
+                        <a:spcBef>
+                          <a:spcPts val="0"/>
+                        </a:spcBef>
+                        <a:spcAft>
+                          <a:spcPts val="0"/>
+                        </a:spcAft>
+                        <a:buClrTx/>
+                        <a:buSzTx/>
+                        <a:buFontTx/>
+                        <a:buNone/>
+                        <a:tabLst/>
+                        <a:defRPr/>
+                      </a:pPr>
+                      <a:r>
+                        <a:rPr lang="zh-CN" altLang="en-US" sz="1800" kern="100" dirty="0" smtClean="0">
+                          <a:effectLst/>
+                          <a:latin typeface="宋体" panose="02010600030101010101" pitchFamily="2" charset="-122"/>
+                          <a:ea typeface="宋体" panose="02010600030101010101" pitchFamily="2" charset="-122"/>
+                          <a:cs typeface="Times New Roman" panose="02020603050405020304" pitchFamily="18" charset="0"/>
+                        </a:rPr>
+                        <a:t>袁红刚</a:t>
+                      </a:r>
+                      <a:r>
+                        <a:rPr lang="en-US" altLang="zh-CN" sz="1800" kern="100" dirty="0" smtClean="0">
+                          <a:effectLst/>
+                          <a:latin typeface="宋体" panose="02010600030101010101" pitchFamily="2" charset="-122"/>
+                          <a:ea typeface="宋体" panose="02010600030101010101" pitchFamily="2" charset="-122"/>
+                          <a:cs typeface="Times New Roman" panose="02020603050405020304" pitchFamily="18" charset="0"/>
+                        </a:rPr>
+                        <a:t>,</a:t>
+                      </a:r>
+                      <a:r>
+                        <a:rPr lang="zh-CN" altLang="en-US" sz="1800" kern="100" dirty="0" smtClean="0">
+                          <a:effectLst/>
+                          <a:latin typeface="宋体" panose="02010600030101010101" pitchFamily="2" charset="-122"/>
+                          <a:ea typeface="宋体" panose="02010600030101010101" pitchFamily="2" charset="-122"/>
+                          <a:cs typeface="Times New Roman" panose="02020603050405020304" pitchFamily="18" charset="0"/>
+                        </a:rPr>
+                        <a:t>陈熙</a:t>
+                      </a:r>
+                      <a:r>
+                        <a:rPr lang="en-US" altLang="zh-CN" sz="1800" kern="100" dirty="0" smtClean="0">
+                          <a:effectLst/>
+                          <a:latin typeface="宋体" panose="02010600030101010101" pitchFamily="2" charset="-122"/>
+                          <a:ea typeface="宋体" panose="02010600030101010101" pitchFamily="2" charset="-122"/>
+                          <a:cs typeface="Times New Roman" panose="02020603050405020304" pitchFamily="18" charset="0"/>
+                        </a:rPr>
+                        <a:t>,</a:t>
+                      </a:r>
+                      <a:r>
+                        <a:rPr lang="zh-CN" altLang="en-US" sz="1800" kern="100" dirty="0" smtClean="0">
+                          <a:effectLst/>
+                          <a:latin typeface="宋体" panose="02010600030101010101" pitchFamily="2" charset="-122"/>
+                          <a:ea typeface="宋体" panose="02010600030101010101" pitchFamily="2" charset="-122"/>
+                          <a:cs typeface="Times New Roman" panose="02020603050405020304" pitchFamily="18" charset="0"/>
+                        </a:rPr>
+                        <a:t>陈柳昂</a:t>
+                      </a:r>
+                      <a:r>
+                        <a:rPr lang="en-US" altLang="zh-CN" sz="1800" kern="100" dirty="0" smtClean="0">
+                          <a:effectLst/>
+                          <a:latin typeface="宋体" panose="02010600030101010101" pitchFamily="2" charset="-122"/>
+                          <a:ea typeface="宋体" panose="02010600030101010101" pitchFamily="2" charset="-122"/>
+                          <a:cs typeface="Times New Roman" panose="02020603050405020304" pitchFamily="18" charset="0"/>
+                        </a:rPr>
+                        <a:t>,</a:t>
+                      </a:r>
+                      <a:r>
+                        <a:rPr lang="zh-CN" altLang="en-US" sz="1800" kern="100" dirty="0" smtClean="0">
+                          <a:effectLst/>
+                          <a:latin typeface="宋体" panose="02010600030101010101" pitchFamily="2" charset="-122"/>
+                          <a:ea typeface="宋体" panose="02010600030101010101" pitchFamily="2" charset="-122"/>
+                          <a:cs typeface="Times New Roman" panose="02020603050405020304" pitchFamily="18" charset="0"/>
+                        </a:rPr>
+                        <a:t>陈韶昱</a:t>
+                      </a:r>
+                      <a:r>
+                        <a:rPr lang="en-US" altLang="zh-CN" kern="100" dirty="0" smtClean="0">
+                          <a:latin typeface="宋体" panose="02010600030101010101" pitchFamily="2" charset="-122"/>
+                          <a:ea typeface="宋体" panose="02010600030101010101" pitchFamily="2" charset="-122"/>
+                          <a:cs typeface="Times New Roman" panose="02020603050405020304" pitchFamily="18" charset="0"/>
+                        </a:rPr>
+                        <a:t>,</a:t>
+                      </a:r>
+                      <a:r>
+                        <a:rPr lang="zh-CN" altLang="en-US" sz="1800" kern="100" dirty="0" smtClean="0">
+                          <a:effectLst/>
+                          <a:latin typeface="宋体" panose="02010600030101010101" pitchFamily="2" charset="-122"/>
+                          <a:ea typeface="宋体" panose="02010600030101010101" pitchFamily="2" charset="-122"/>
+                          <a:cs typeface="Times New Roman" panose="02020603050405020304" pitchFamily="18" charset="0"/>
+                        </a:rPr>
+                        <a:t>殷宇龙，程钰洋</a:t>
+                      </a:r>
+                    </a:p>
+                  </a:txBody>
+                  <a:tcPr>
+                    <a:lnL w="12700" cap="flat" cmpd="sng" algn="ctr">
+                      <a:solidFill>
+                        <a:schemeClr val="tx1"/>
+                      </a:solidFill>
+                      <a:prstDash val="solid"/>
+                      <a:round/>
+                      <a:headEnd type="none" w="med" len="med"/>
+                      <a:tailEnd type="none" w="med" len="med"/>
+                    </a:lnL>
+                    <a:lnR w="12700" cap="flat" cmpd="sng" algn="ctr">
+                      <a:solidFill>
+                        <a:schemeClr val="tx1"/>
+                      </a:solidFill>
+                      <a:prstDash val="solid"/>
+                      <a:round/>
+                      <a:headEnd type="none" w="med" len="med"/>
+                      <a:tailEnd type="none" w="med" len="med"/>
+                    </a:lnR>
+                    <a:lnT w="12700" cap="flat" cmpd="sng" algn="ctr">
+                      <a:solidFill>
+                        <a:schemeClr val="tx1"/>
+                      </a:solidFill>
+                      <a:prstDash val="solid"/>
+                      <a:round/>
+                      <a:headEnd type="none" w="med" len="med"/>
+                      <a:tailEnd type="none" w="med" len="med"/>
+                    </a:lnT>
+                    <a:lnB w="12700" cap="flat" cmpd="sng" algn="ctr">
+                      <a:solidFill>
+                        <a:schemeClr val="tx1"/>
+                      </a:solidFill>
+                      <a:prstDash val="solid"/>
+                      <a:round/>
+                      <a:headEnd type="none" w="med" len="med"/>
+                      <a:tailEnd type="none" w="med" len="med"/>
+                    </a:lnB>
+                  </a:tcPr>
+                </a:tc>
+                <a:extLst>
+                  <a:ext uri="{0D108BD9-81ED-4DB2-BD59-A6C34878D82A}">
+                    <a16:rowId xmlns:a16="http://schemas.microsoft.com/office/drawing/2014/main" val="1698597278"/>
+                  </a:ext>
+                </a:extLst>
+              </a:tr>
+              <a:tr h="370840">
+                <a:tc>
+                  <a:txBody>
+                    <a:bodyPr/>
+                    <a:lstStyle/>
+                    <a:p>
+                      <a:pPr marL="0" marR="0" lvl="0" indent="0" algn="l" defTabSz="914400" rtl="0" eaLnBrk="1" fontAlgn="auto" latinLnBrk="0" hangingPunct="1">
+                        <a:lnSpc>
+                          <a:spcPct val="100000"/>
+                        </a:lnSpc>
+                        <a:spcBef>
+                          <a:spcPts val="0"/>
+                        </a:spcBef>
+                        <a:spcAft>
+                          <a:spcPts val="0"/>
+                        </a:spcAft>
+                        <a:buClrTx/>
+                        <a:buSzTx/>
+                        <a:buFontTx/>
+                        <a:buNone/>
+                        <a:tabLst/>
+                        <a:defRPr/>
+                      </a:pPr>
+                      <a:endParaRPr lang="zh-CN" altLang="en-US" sz="1800" dirty="0">
+                        <a:latin typeface="Times New Roman" panose="02020603050405020304" pitchFamily="18" charset="0"/>
+                        <a:cs typeface="Times New Roman" panose="02020603050405020304" pitchFamily="18" charset="0"/>
+                      </a:endParaRPr>
+                    </a:p>
+                  </a:txBody>
+                  <a:tcPr>
+                    <a:lnL w="12700" cap="flat" cmpd="sng" algn="ctr">
+                      <a:solidFill>
+                        <a:schemeClr val="tx1"/>
+                      </a:solidFill>
+                      <a:prstDash val="solid"/>
+                      <a:round/>
+                      <a:headEnd type="none" w="med" len="med"/>
+                      <a:tailEnd type="none" w="med" len="med"/>
+                    </a:lnL>
+                    <a:lnR w="12700" cap="flat" cmpd="sng" algn="ctr">
+                      <a:solidFill>
+                        <a:schemeClr val="tx1"/>
+                      </a:solidFill>
+                      <a:prstDash val="solid"/>
+                      <a:round/>
+                      <a:headEnd type="none" w="med" len="med"/>
+                      <a:tailEnd type="none" w="med" len="med"/>
+                    </a:lnR>
+                    <a:lnT w="12700" cap="flat" cmpd="sng" algn="ctr">
+                      <a:solidFill>
+                        <a:schemeClr val="tx1"/>
+                      </a:solidFill>
+                      <a:prstDash val="solid"/>
+                      <a:round/>
+                      <a:headEnd type="none" w="med" len="med"/>
+                      <a:tailEnd type="none" w="med" len="med"/>
+                    </a:lnT>
+                    <a:lnB w="12700" cap="flat" cmpd="sng" algn="ctr">
+                      <a:solidFill>
+                        <a:schemeClr val="tx1"/>
+                      </a:solidFill>
+                      <a:prstDash val="solid"/>
+                      <a:round/>
+                      <a:headEnd type="none" w="med" len="med"/>
+                      <a:tailEnd type="none" w="med" len="med"/>
+                    </a:lnB>
+                  </a:tcPr>
+                </a:tc>
+                <a:tc>
+                  <a:txBody>
+                    <a:bodyPr/>
+                    <a:lstStyle/>
+                    <a:p>
+                      <a:pPr algn="just"/>
+                      <a:endParaRPr lang="zh-CN" altLang="en-US" sz="1800" kern="100" dirty="0">
+                        <a:effectLst/>
+                        <a:latin typeface="宋体" panose="02010600030101010101" pitchFamily="2" charset="-122"/>
+                        <a:ea typeface="宋体" panose="02010600030101010101" pitchFamily="2" charset="-122"/>
+                        <a:cs typeface="Times New Roman" panose="02020603050405020304" pitchFamily="18" charset="0"/>
+                      </a:endParaRPr>
+                    </a:p>
+                  </a:txBody>
+                  <a:tcPr>
+                    <a:lnL w="12700" cap="flat" cmpd="sng" algn="ctr">
+                      <a:solidFill>
+                        <a:schemeClr val="tx1"/>
+                      </a:solidFill>
+                      <a:prstDash val="solid"/>
+                      <a:round/>
+                      <a:headEnd type="none" w="med" len="med"/>
+                      <a:tailEnd type="none" w="med" len="med"/>
+                    </a:lnL>
+                    <a:lnR w="12700" cap="flat" cmpd="sng" algn="ctr">
+                      <a:solidFill>
+                        <a:schemeClr val="tx1"/>
+                      </a:solidFill>
+                      <a:prstDash val="solid"/>
+                      <a:round/>
+                      <a:headEnd type="none" w="med" len="med"/>
+                      <a:tailEnd type="none" w="med" len="med"/>
+                    </a:lnR>
+                    <a:lnT w="12700" cap="flat" cmpd="sng" algn="ctr">
+                      <a:solidFill>
+                        <a:schemeClr val="tx1"/>
+                      </a:solidFill>
+                      <a:prstDash val="solid"/>
+                      <a:round/>
+                      <a:headEnd type="none" w="med" len="med"/>
+                      <a:tailEnd type="none" w="med" len="med"/>
+                    </a:lnT>
+                    <a:lnB w="12700" cap="flat" cmpd="sng" algn="ctr">
+                      <a:solidFill>
+                        <a:schemeClr val="tx1"/>
+                      </a:solidFill>
+                      <a:prstDash val="solid"/>
+                      <a:round/>
+                      <a:headEnd type="none" w="med" len="med"/>
+                      <a:tailEnd type="none" w="med" len="med"/>
+                    </a:lnB>
+                  </a:tcPr>
+                </a:tc>
+                <a:extLst>
+                  <a:ext uri="{0D108BD9-81ED-4DB2-BD59-A6C34878D82A}">
+                    <a16:rowId xmlns:a16="http://schemas.microsoft.com/office/drawing/2014/main" val="1148920566"/>
+                  </a:ext>
+                </a:extLst>
+              </a:tr>
+              <a:tr h="370840">
+                <a:tc>
+                  <a:txBody>
+                    <a:bodyPr/>
+                    <a:lstStyle/>
+                    <a:p>
+                      <a:pPr marL="0" marR="0" lvl="0" indent="0" algn="l" defTabSz="914400" rtl="0" eaLnBrk="1" fontAlgn="auto" latinLnBrk="0" hangingPunct="1">
+                        <a:lnSpc>
+                          <a:spcPct val="100000"/>
+                        </a:lnSpc>
+                        <a:spcBef>
+                          <a:spcPts val="0"/>
+                        </a:spcBef>
+                        <a:spcAft>
+                          <a:spcPts val="0"/>
+                        </a:spcAft>
+                        <a:buClrTx/>
+                        <a:buSzTx/>
+                        <a:buFontTx/>
+                        <a:buNone/>
+                        <a:tabLst/>
+                        <a:defRPr/>
+                      </a:pPr>
+                      <a:endParaRPr lang="zh-CN" altLang="en-US" sz="1800" dirty="0">
                         <a:latin typeface="Times New Roman" panose="02020603050405020304" pitchFamily="18" charset="0"/>
                         <a:cs typeface="Times New Roman" panose="02020603050405020304" pitchFamily="18" charset="0"/>
                       </a:endParaRPr>
@@ -6850,6 +7491,1787 @@
                 </a:tc>
                 <a:extLst>
                   <a:ext uri="{0D108BD9-81ED-4DB2-BD59-A6C34878D82A}">
+                    <a16:rowId xmlns:a16="http://schemas.microsoft.com/office/drawing/2014/main" val="1592906715"/>
+                  </a:ext>
+                </a:extLst>
+              </a:tr>
+              <a:tr h="370840">
+                <a:tc>
+                  <a:txBody>
+                    <a:bodyPr/>
+                    <a:lstStyle/>
+                    <a:p>
+                      <a:endParaRPr lang="zh-CN" altLang="en-US" dirty="0">
+                        <a:latin typeface="Times New Roman" panose="02020603050405020304" pitchFamily="18" charset="0"/>
+                        <a:cs typeface="Times New Roman" panose="02020603050405020304" pitchFamily="18" charset="0"/>
+                      </a:endParaRPr>
+                    </a:p>
+                  </a:txBody>
+                  <a:tcPr>
+                    <a:lnL w="12700" cap="flat" cmpd="sng" algn="ctr">
+                      <a:solidFill>
+                        <a:schemeClr val="tx1"/>
+                      </a:solidFill>
+                      <a:prstDash val="solid"/>
+                      <a:round/>
+                      <a:headEnd type="none" w="med" len="med"/>
+                      <a:tailEnd type="none" w="med" len="med"/>
+                    </a:lnL>
+                    <a:lnR w="12700" cap="flat" cmpd="sng" algn="ctr">
+                      <a:solidFill>
+                        <a:schemeClr val="tx1"/>
+                      </a:solidFill>
+                      <a:prstDash val="solid"/>
+                      <a:round/>
+                      <a:headEnd type="none" w="med" len="med"/>
+                      <a:tailEnd type="none" w="med" len="med"/>
+                    </a:lnR>
+                    <a:lnT w="12700" cap="flat" cmpd="sng" algn="ctr">
+                      <a:solidFill>
+                        <a:schemeClr val="tx1"/>
+                      </a:solidFill>
+                      <a:prstDash val="solid"/>
+                      <a:round/>
+                      <a:headEnd type="none" w="med" len="med"/>
+                      <a:tailEnd type="none" w="med" len="med"/>
+                    </a:lnT>
+                    <a:lnB w="12700" cap="flat" cmpd="sng" algn="ctr">
+                      <a:solidFill>
+                        <a:schemeClr val="tx1"/>
+                      </a:solidFill>
+                      <a:prstDash val="solid"/>
+                      <a:round/>
+                      <a:headEnd type="none" w="med" len="med"/>
+                      <a:tailEnd type="none" w="med" len="med"/>
+                    </a:lnB>
+                  </a:tcPr>
+                </a:tc>
+                <a:tc>
+                  <a:txBody>
+                    <a:bodyPr/>
+                    <a:lstStyle/>
+                    <a:p>
+                      <a:pPr marL="0" marR="0" lvl="0" indent="0" algn="l" defTabSz="914400" rtl="0" eaLnBrk="1" fontAlgn="auto" latinLnBrk="0" hangingPunct="1">
+                        <a:lnSpc>
+                          <a:spcPct val="100000"/>
+                        </a:lnSpc>
+                        <a:spcBef>
+                          <a:spcPts val="0"/>
+                        </a:spcBef>
+                        <a:spcAft>
+                          <a:spcPts val="0"/>
+                        </a:spcAft>
+                        <a:buClrTx/>
+                        <a:buSzTx/>
+                        <a:buFontTx/>
+                        <a:buNone/>
+                        <a:tabLst/>
+                        <a:defRPr/>
+                      </a:pPr>
+                      <a:endParaRPr lang="zh-CN" altLang="en-US" sz="1800" kern="100" dirty="0">
+                        <a:effectLst/>
+                        <a:latin typeface="宋体" panose="02010600030101010101" pitchFamily="2" charset="-122"/>
+                        <a:ea typeface="宋体" panose="02010600030101010101" pitchFamily="2" charset="-122"/>
+                        <a:cs typeface="Times New Roman" panose="02020603050405020304" pitchFamily="18" charset="0"/>
+                      </a:endParaRPr>
+                    </a:p>
+                  </a:txBody>
+                  <a:tcPr>
+                    <a:lnL w="12700" cap="flat" cmpd="sng" algn="ctr">
+                      <a:solidFill>
+                        <a:schemeClr val="tx1"/>
+                      </a:solidFill>
+                      <a:prstDash val="solid"/>
+                      <a:round/>
+                      <a:headEnd type="none" w="med" len="med"/>
+                      <a:tailEnd type="none" w="med" len="med"/>
+                    </a:lnL>
+                    <a:lnR w="12700" cap="flat" cmpd="sng" algn="ctr">
+                      <a:solidFill>
+                        <a:schemeClr val="tx1"/>
+                      </a:solidFill>
+                      <a:prstDash val="solid"/>
+                      <a:round/>
+                      <a:headEnd type="none" w="med" len="med"/>
+                      <a:tailEnd type="none" w="med" len="med"/>
+                    </a:lnR>
+                    <a:lnT w="12700" cap="flat" cmpd="sng" algn="ctr">
+                      <a:solidFill>
+                        <a:schemeClr val="tx1"/>
+                      </a:solidFill>
+                      <a:prstDash val="solid"/>
+                      <a:round/>
+                      <a:headEnd type="none" w="med" len="med"/>
+                      <a:tailEnd type="none" w="med" len="med"/>
+                    </a:lnT>
+                    <a:lnB w="12700" cap="flat" cmpd="sng" algn="ctr">
+                      <a:solidFill>
+                        <a:schemeClr val="tx1"/>
+                      </a:solidFill>
+                      <a:prstDash val="solid"/>
+                      <a:round/>
+                      <a:headEnd type="none" w="med" len="med"/>
+                      <a:tailEnd type="none" w="med" len="med"/>
+                    </a:lnB>
+                  </a:tcPr>
+                </a:tc>
+                <a:extLst>
+                  <a:ext uri="{0D108BD9-81ED-4DB2-BD59-A6C34878D82A}">
+                    <a16:rowId xmlns:a16="http://schemas.microsoft.com/office/drawing/2014/main" val="1596411933"/>
+                  </a:ext>
+                </a:extLst>
+              </a:tr>
+              <a:tr h="370840">
+                <a:tc>
+                  <a:txBody>
+                    <a:bodyPr/>
+                    <a:lstStyle/>
+                    <a:p>
+                      <a:endParaRPr lang="zh-CN" altLang="en-US" dirty="0">
+                        <a:latin typeface="Times New Roman" panose="02020603050405020304" pitchFamily="18" charset="0"/>
+                        <a:cs typeface="Times New Roman" panose="02020603050405020304" pitchFamily="18" charset="0"/>
+                      </a:endParaRPr>
+                    </a:p>
+                  </a:txBody>
+                  <a:tcPr>
+                    <a:lnL w="12700" cap="flat" cmpd="sng" algn="ctr">
+                      <a:solidFill>
+                        <a:schemeClr val="tx1"/>
+                      </a:solidFill>
+                      <a:prstDash val="solid"/>
+                      <a:round/>
+                      <a:headEnd type="none" w="med" len="med"/>
+                      <a:tailEnd type="none" w="med" len="med"/>
+                    </a:lnL>
+                    <a:lnR w="12700" cap="flat" cmpd="sng" algn="ctr">
+                      <a:solidFill>
+                        <a:schemeClr val="tx1"/>
+                      </a:solidFill>
+                      <a:prstDash val="solid"/>
+                      <a:round/>
+                      <a:headEnd type="none" w="med" len="med"/>
+                      <a:tailEnd type="none" w="med" len="med"/>
+                    </a:lnR>
+                    <a:lnT w="12700" cap="flat" cmpd="sng" algn="ctr">
+                      <a:solidFill>
+                        <a:schemeClr val="tx1"/>
+                      </a:solidFill>
+                      <a:prstDash val="solid"/>
+                      <a:round/>
+                      <a:headEnd type="none" w="med" len="med"/>
+                      <a:tailEnd type="none" w="med" len="med"/>
+                    </a:lnT>
+                    <a:lnB w="12700" cap="flat" cmpd="sng" algn="ctr">
+                      <a:solidFill>
+                        <a:schemeClr val="tx1"/>
+                      </a:solidFill>
+                      <a:prstDash val="solid"/>
+                      <a:round/>
+                      <a:headEnd type="none" w="med" len="med"/>
+                      <a:tailEnd type="none" w="med" len="med"/>
+                    </a:lnB>
+                  </a:tcPr>
+                </a:tc>
+                <a:tc>
+                  <a:txBody>
+                    <a:bodyPr/>
+                    <a:lstStyle/>
+                    <a:p>
+                      <a:pPr marL="0" marR="0" lvl="0" indent="0" algn="l" defTabSz="914400" rtl="0" eaLnBrk="1" fontAlgn="auto" latinLnBrk="0" hangingPunct="1">
+                        <a:lnSpc>
+                          <a:spcPct val="100000"/>
+                        </a:lnSpc>
+                        <a:spcBef>
+                          <a:spcPts val="0"/>
+                        </a:spcBef>
+                        <a:spcAft>
+                          <a:spcPts val="0"/>
+                        </a:spcAft>
+                        <a:buClrTx/>
+                        <a:buSzTx/>
+                        <a:buFontTx/>
+                        <a:buNone/>
+                        <a:tabLst/>
+                        <a:defRPr/>
+                      </a:pPr>
+                      <a:endParaRPr lang="zh-CN" altLang="en-US" sz="1800" kern="100" dirty="0">
+                        <a:effectLst/>
+                        <a:latin typeface="宋体" panose="02010600030101010101" pitchFamily="2" charset="-122"/>
+                        <a:ea typeface="宋体" panose="02010600030101010101" pitchFamily="2" charset="-122"/>
+                        <a:cs typeface="Times New Roman" panose="02020603050405020304" pitchFamily="18" charset="0"/>
+                      </a:endParaRPr>
+                    </a:p>
+                  </a:txBody>
+                  <a:tcPr>
+                    <a:lnL w="12700" cap="flat" cmpd="sng" algn="ctr">
+                      <a:solidFill>
+                        <a:schemeClr val="tx1"/>
+                      </a:solidFill>
+                      <a:prstDash val="solid"/>
+                      <a:round/>
+                      <a:headEnd type="none" w="med" len="med"/>
+                      <a:tailEnd type="none" w="med" len="med"/>
+                    </a:lnL>
+                    <a:lnR w="12700" cap="flat" cmpd="sng" algn="ctr">
+                      <a:solidFill>
+                        <a:schemeClr val="tx1"/>
+                      </a:solidFill>
+                      <a:prstDash val="solid"/>
+                      <a:round/>
+                      <a:headEnd type="none" w="med" len="med"/>
+                      <a:tailEnd type="none" w="med" len="med"/>
+                    </a:lnR>
+                    <a:lnT w="12700" cap="flat" cmpd="sng" algn="ctr">
+                      <a:solidFill>
+                        <a:schemeClr val="tx1"/>
+                      </a:solidFill>
+                      <a:prstDash val="solid"/>
+                      <a:round/>
+                      <a:headEnd type="none" w="med" len="med"/>
+                      <a:tailEnd type="none" w="med" len="med"/>
+                    </a:lnT>
+                    <a:lnB w="12700" cap="flat" cmpd="sng" algn="ctr">
+                      <a:solidFill>
+                        <a:schemeClr val="tx1"/>
+                      </a:solidFill>
+                      <a:prstDash val="solid"/>
+                      <a:round/>
+                      <a:headEnd type="none" w="med" len="med"/>
+                      <a:tailEnd type="none" w="med" len="med"/>
+                    </a:lnB>
+                  </a:tcPr>
+                </a:tc>
+                <a:extLst>
+                  <a:ext uri="{0D108BD9-81ED-4DB2-BD59-A6C34878D82A}">
+                    <a16:rowId xmlns:a16="http://schemas.microsoft.com/office/drawing/2014/main" val="899041505"/>
+                  </a:ext>
+                </a:extLst>
+              </a:tr>
+              <a:tr h="370840">
+                <a:tc>
+                  <a:txBody>
+                    <a:bodyPr/>
+                    <a:lstStyle/>
+                    <a:p>
+                      <a:endParaRPr lang="zh-CN" altLang="en-US" dirty="0">
+                        <a:latin typeface="Times New Roman" panose="02020603050405020304" pitchFamily="18" charset="0"/>
+                        <a:cs typeface="Times New Roman" panose="02020603050405020304" pitchFamily="18" charset="0"/>
+                      </a:endParaRPr>
+                    </a:p>
+                  </a:txBody>
+                  <a:tcPr>
+                    <a:lnL w="12700" cap="flat" cmpd="sng" algn="ctr">
+                      <a:solidFill>
+                        <a:schemeClr val="tx1"/>
+                      </a:solidFill>
+                      <a:prstDash val="solid"/>
+                      <a:round/>
+                      <a:headEnd type="none" w="med" len="med"/>
+                      <a:tailEnd type="none" w="med" len="med"/>
+                    </a:lnL>
+                    <a:lnR w="12700" cap="flat" cmpd="sng" algn="ctr">
+                      <a:solidFill>
+                        <a:schemeClr val="tx1"/>
+                      </a:solidFill>
+                      <a:prstDash val="solid"/>
+                      <a:round/>
+                      <a:headEnd type="none" w="med" len="med"/>
+                      <a:tailEnd type="none" w="med" len="med"/>
+                    </a:lnR>
+                    <a:lnT w="12700" cap="flat" cmpd="sng" algn="ctr">
+                      <a:solidFill>
+                        <a:schemeClr val="tx1"/>
+                      </a:solidFill>
+                      <a:prstDash val="solid"/>
+                      <a:round/>
+                      <a:headEnd type="none" w="med" len="med"/>
+                      <a:tailEnd type="none" w="med" len="med"/>
+                    </a:lnT>
+                    <a:lnB w="12700" cap="flat" cmpd="sng" algn="ctr">
+                      <a:solidFill>
+                        <a:schemeClr val="tx1"/>
+                      </a:solidFill>
+                      <a:prstDash val="solid"/>
+                      <a:round/>
+                      <a:headEnd type="none" w="med" len="med"/>
+                      <a:tailEnd type="none" w="med" len="med"/>
+                    </a:lnB>
+                  </a:tcPr>
+                </a:tc>
+                <a:tc>
+                  <a:txBody>
+                    <a:bodyPr/>
+                    <a:lstStyle/>
+                    <a:p>
+                      <a:pPr marL="0" marR="0" lvl="0" indent="0" algn="l" defTabSz="914400" rtl="0" eaLnBrk="1" fontAlgn="auto" latinLnBrk="0" hangingPunct="1">
+                        <a:lnSpc>
+                          <a:spcPct val="100000"/>
+                        </a:lnSpc>
+                        <a:spcBef>
+                          <a:spcPts val="0"/>
+                        </a:spcBef>
+                        <a:spcAft>
+                          <a:spcPts val="0"/>
+                        </a:spcAft>
+                        <a:buClrTx/>
+                        <a:buSzTx/>
+                        <a:buFontTx/>
+                        <a:buNone/>
+                        <a:tabLst/>
+                        <a:defRPr/>
+                      </a:pPr>
+                      <a:endParaRPr lang="zh-CN" altLang="en-US" sz="1800" kern="100" dirty="0">
+                        <a:effectLst/>
+                        <a:latin typeface="宋体" panose="02010600030101010101" pitchFamily="2" charset="-122"/>
+                        <a:ea typeface="宋体" panose="02010600030101010101" pitchFamily="2" charset="-122"/>
+                        <a:cs typeface="Times New Roman" panose="02020603050405020304" pitchFamily="18" charset="0"/>
+                      </a:endParaRPr>
+                    </a:p>
+                  </a:txBody>
+                  <a:tcPr>
+                    <a:lnL w="12700" cap="flat" cmpd="sng" algn="ctr">
+                      <a:solidFill>
+                        <a:schemeClr val="tx1"/>
+                      </a:solidFill>
+                      <a:prstDash val="solid"/>
+                      <a:round/>
+                      <a:headEnd type="none" w="med" len="med"/>
+                      <a:tailEnd type="none" w="med" len="med"/>
+                    </a:lnL>
+                    <a:lnR w="12700" cap="flat" cmpd="sng" algn="ctr">
+                      <a:solidFill>
+                        <a:schemeClr val="tx1"/>
+                      </a:solidFill>
+                      <a:prstDash val="solid"/>
+                      <a:round/>
+                      <a:headEnd type="none" w="med" len="med"/>
+                      <a:tailEnd type="none" w="med" len="med"/>
+                    </a:lnR>
+                    <a:lnT w="12700" cap="flat" cmpd="sng" algn="ctr">
+                      <a:solidFill>
+                        <a:schemeClr val="tx1"/>
+                      </a:solidFill>
+                      <a:prstDash val="solid"/>
+                      <a:round/>
+                      <a:headEnd type="none" w="med" len="med"/>
+                      <a:tailEnd type="none" w="med" len="med"/>
+                    </a:lnT>
+                    <a:lnB w="12700" cap="flat" cmpd="sng" algn="ctr">
+                      <a:solidFill>
+                        <a:schemeClr val="tx1"/>
+                      </a:solidFill>
+                      <a:prstDash val="solid"/>
+                      <a:round/>
+                      <a:headEnd type="none" w="med" len="med"/>
+                      <a:tailEnd type="none" w="med" len="med"/>
+                    </a:lnB>
+                  </a:tcPr>
+                </a:tc>
+                <a:extLst>
+                  <a:ext uri="{0D108BD9-81ED-4DB2-BD59-A6C34878D82A}">
+                    <a16:rowId xmlns:a16="http://schemas.microsoft.com/office/drawing/2014/main" val="4192987567"/>
+                  </a:ext>
+                </a:extLst>
+              </a:tr>
+              <a:tr h="370840">
+                <a:tc>
+                  <a:txBody>
+                    <a:bodyPr/>
+                    <a:lstStyle/>
+                    <a:p>
+                      <a:endParaRPr lang="zh-CN" altLang="en-US" dirty="0">
+                        <a:latin typeface="Times New Roman" panose="02020603050405020304" pitchFamily="18" charset="0"/>
+                        <a:cs typeface="Times New Roman" panose="02020603050405020304" pitchFamily="18" charset="0"/>
+                      </a:endParaRPr>
+                    </a:p>
+                  </a:txBody>
+                  <a:tcPr>
+                    <a:lnL w="12700" cap="flat" cmpd="sng" algn="ctr">
+                      <a:solidFill>
+                        <a:schemeClr val="tx1"/>
+                      </a:solidFill>
+                      <a:prstDash val="solid"/>
+                      <a:round/>
+                      <a:headEnd type="none" w="med" len="med"/>
+                      <a:tailEnd type="none" w="med" len="med"/>
+                    </a:lnL>
+                    <a:lnR w="12700" cap="flat" cmpd="sng" algn="ctr">
+                      <a:solidFill>
+                        <a:schemeClr val="tx1"/>
+                      </a:solidFill>
+                      <a:prstDash val="solid"/>
+                      <a:round/>
+                      <a:headEnd type="none" w="med" len="med"/>
+                      <a:tailEnd type="none" w="med" len="med"/>
+                    </a:lnR>
+                    <a:lnT w="12700" cap="flat" cmpd="sng" algn="ctr">
+                      <a:solidFill>
+                        <a:schemeClr val="tx1"/>
+                      </a:solidFill>
+                      <a:prstDash val="solid"/>
+                      <a:round/>
+                      <a:headEnd type="none" w="med" len="med"/>
+                      <a:tailEnd type="none" w="med" len="med"/>
+                    </a:lnT>
+                    <a:lnB w="12700" cap="flat" cmpd="sng" algn="ctr">
+                      <a:solidFill>
+                        <a:schemeClr val="tx1"/>
+                      </a:solidFill>
+                      <a:prstDash val="solid"/>
+                      <a:round/>
+                      <a:headEnd type="none" w="med" len="med"/>
+                      <a:tailEnd type="none" w="med" len="med"/>
+                    </a:lnB>
+                  </a:tcPr>
+                </a:tc>
+                <a:tc>
+                  <a:txBody>
+                    <a:bodyPr/>
+                    <a:lstStyle/>
+                    <a:p>
+                      <a:pPr marL="0" marR="0" lvl="0" indent="0" algn="l" defTabSz="914400" rtl="0" eaLnBrk="1" fontAlgn="auto" latinLnBrk="0" hangingPunct="1">
+                        <a:lnSpc>
+                          <a:spcPct val="100000"/>
+                        </a:lnSpc>
+                        <a:spcBef>
+                          <a:spcPts val="0"/>
+                        </a:spcBef>
+                        <a:spcAft>
+                          <a:spcPts val="0"/>
+                        </a:spcAft>
+                        <a:buClrTx/>
+                        <a:buSzTx/>
+                        <a:buFontTx/>
+                        <a:buNone/>
+                        <a:tabLst/>
+                        <a:defRPr/>
+                      </a:pPr>
+                      <a:endParaRPr lang="zh-CN" altLang="en-US" sz="1800" kern="100" dirty="0">
+                        <a:effectLst/>
+                        <a:latin typeface="宋体" panose="02010600030101010101" pitchFamily="2" charset="-122"/>
+                        <a:ea typeface="宋体" panose="02010600030101010101" pitchFamily="2" charset="-122"/>
+                        <a:cs typeface="Times New Roman" panose="02020603050405020304" pitchFamily="18" charset="0"/>
+                      </a:endParaRPr>
+                    </a:p>
+                  </a:txBody>
+                  <a:tcPr>
+                    <a:lnL w="12700" cap="flat" cmpd="sng" algn="ctr">
+                      <a:solidFill>
+                        <a:schemeClr val="tx1"/>
+                      </a:solidFill>
+                      <a:prstDash val="solid"/>
+                      <a:round/>
+                      <a:headEnd type="none" w="med" len="med"/>
+                      <a:tailEnd type="none" w="med" len="med"/>
+                    </a:lnL>
+                    <a:lnR w="12700" cap="flat" cmpd="sng" algn="ctr">
+                      <a:solidFill>
+                        <a:schemeClr val="tx1"/>
+                      </a:solidFill>
+                      <a:prstDash val="solid"/>
+                      <a:round/>
+                      <a:headEnd type="none" w="med" len="med"/>
+                      <a:tailEnd type="none" w="med" len="med"/>
+                    </a:lnR>
+                    <a:lnT w="12700" cap="flat" cmpd="sng" algn="ctr">
+                      <a:solidFill>
+                        <a:schemeClr val="tx1"/>
+                      </a:solidFill>
+                      <a:prstDash val="solid"/>
+                      <a:round/>
+                      <a:headEnd type="none" w="med" len="med"/>
+                      <a:tailEnd type="none" w="med" len="med"/>
+                    </a:lnT>
+                    <a:lnB w="12700" cap="flat" cmpd="sng" algn="ctr">
+                      <a:solidFill>
+                        <a:schemeClr val="tx1"/>
+                      </a:solidFill>
+                      <a:prstDash val="solid"/>
+                      <a:round/>
+                      <a:headEnd type="none" w="med" len="med"/>
+                      <a:tailEnd type="none" w="med" len="med"/>
+                    </a:lnB>
+                  </a:tcPr>
+                </a:tc>
+                <a:extLst>
+                  <a:ext uri="{0D108BD9-81ED-4DB2-BD59-A6C34878D82A}">
+                    <a16:rowId xmlns:a16="http://schemas.microsoft.com/office/drawing/2014/main" val="1994111944"/>
+                  </a:ext>
+                </a:extLst>
+              </a:tr>
+              <a:tr h="370840">
+                <a:tc>
+                  <a:txBody>
+                    <a:bodyPr/>
+                    <a:lstStyle/>
+                    <a:p>
+                      <a:endParaRPr lang="zh-CN" altLang="en-US" dirty="0">
+                        <a:latin typeface="Times New Roman" panose="02020603050405020304" pitchFamily="18" charset="0"/>
+                        <a:cs typeface="Times New Roman" panose="02020603050405020304" pitchFamily="18" charset="0"/>
+                      </a:endParaRPr>
+                    </a:p>
+                  </a:txBody>
+                  <a:tcPr>
+                    <a:lnL w="12700" cap="flat" cmpd="sng" algn="ctr">
+                      <a:solidFill>
+                        <a:schemeClr val="tx1"/>
+                      </a:solidFill>
+                      <a:prstDash val="solid"/>
+                      <a:round/>
+                      <a:headEnd type="none" w="med" len="med"/>
+                      <a:tailEnd type="none" w="med" len="med"/>
+                    </a:lnL>
+                    <a:lnR w="12700" cap="flat" cmpd="sng" algn="ctr">
+                      <a:solidFill>
+                        <a:schemeClr val="tx1"/>
+                      </a:solidFill>
+                      <a:prstDash val="solid"/>
+                      <a:round/>
+                      <a:headEnd type="none" w="med" len="med"/>
+                      <a:tailEnd type="none" w="med" len="med"/>
+                    </a:lnR>
+                    <a:lnT w="12700" cap="flat" cmpd="sng" algn="ctr">
+                      <a:solidFill>
+                        <a:schemeClr val="tx1"/>
+                      </a:solidFill>
+                      <a:prstDash val="solid"/>
+                      <a:round/>
+                      <a:headEnd type="none" w="med" len="med"/>
+                      <a:tailEnd type="none" w="med" len="med"/>
+                    </a:lnT>
+                    <a:lnB w="12700" cap="flat" cmpd="sng" algn="ctr">
+                      <a:solidFill>
+                        <a:schemeClr val="tx1"/>
+                      </a:solidFill>
+                      <a:prstDash val="solid"/>
+                      <a:round/>
+                      <a:headEnd type="none" w="med" len="med"/>
+                      <a:tailEnd type="none" w="med" len="med"/>
+                    </a:lnB>
+                  </a:tcPr>
+                </a:tc>
+                <a:tc>
+                  <a:txBody>
+                    <a:bodyPr/>
+                    <a:lstStyle/>
+                    <a:p>
+                      <a:pPr marL="0" marR="0" lvl="0" indent="0" algn="l" defTabSz="914400" rtl="0" eaLnBrk="1" fontAlgn="auto" latinLnBrk="0" hangingPunct="1">
+                        <a:lnSpc>
+                          <a:spcPct val="100000"/>
+                        </a:lnSpc>
+                        <a:spcBef>
+                          <a:spcPts val="0"/>
+                        </a:spcBef>
+                        <a:spcAft>
+                          <a:spcPts val="0"/>
+                        </a:spcAft>
+                        <a:buClrTx/>
+                        <a:buSzTx/>
+                        <a:buFontTx/>
+                        <a:buNone/>
+                        <a:tabLst/>
+                        <a:defRPr/>
+                      </a:pPr>
+                      <a:endParaRPr lang="zh-CN" altLang="en-US" sz="1800" kern="100" dirty="0">
+                        <a:effectLst/>
+                        <a:latin typeface="宋体" panose="02010600030101010101" pitchFamily="2" charset="-122"/>
+                        <a:ea typeface="宋体" panose="02010600030101010101" pitchFamily="2" charset="-122"/>
+                        <a:cs typeface="Times New Roman" panose="02020603050405020304" pitchFamily="18" charset="0"/>
+                      </a:endParaRPr>
+                    </a:p>
+                  </a:txBody>
+                  <a:tcPr>
+                    <a:lnL w="12700" cap="flat" cmpd="sng" algn="ctr">
+                      <a:solidFill>
+                        <a:schemeClr val="tx1"/>
+                      </a:solidFill>
+                      <a:prstDash val="solid"/>
+                      <a:round/>
+                      <a:headEnd type="none" w="med" len="med"/>
+                      <a:tailEnd type="none" w="med" len="med"/>
+                    </a:lnL>
+                    <a:lnR w="12700" cap="flat" cmpd="sng" algn="ctr">
+                      <a:solidFill>
+                        <a:schemeClr val="tx1"/>
+                      </a:solidFill>
+                      <a:prstDash val="solid"/>
+                      <a:round/>
+                      <a:headEnd type="none" w="med" len="med"/>
+                      <a:tailEnd type="none" w="med" len="med"/>
+                    </a:lnR>
+                    <a:lnT w="12700" cap="flat" cmpd="sng" algn="ctr">
+                      <a:solidFill>
+                        <a:schemeClr val="tx1"/>
+                      </a:solidFill>
+                      <a:prstDash val="solid"/>
+                      <a:round/>
+                      <a:headEnd type="none" w="med" len="med"/>
+                      <a:tailEnd type="none" w="med" len="med"/>
+                    </a:lnT>
+                    <a:lnB w="12700" cap="flat" cmpd="sng" algn="ctr">
+                      <a:solidFill>
+                        <a:schemeClr val="tx1"/>
+                      </a:solidFill>
+                      <a:prstDash val="solid"/>
+                      <a:round/>
+                      <a:headEnd type="none" w="med" len="med"/>
+                      <a:tailEnd type="none" w="med" len="med"/>
+                    </a:lnB>
+                  </a:tcPr>
+                </a:tc>
+                <a:extLst>
+                  <a:ext uri="{0D108BD9-81ED-4DB2-BD59-A6C34878D82A}">
+                    <a16:rowId xmlns:a16="http://schemas.microsoft.com/office/drawing/2014/main" val="1044337901"/>
+                  </a:ext>
+                </a:extLst>
+              </a:tr>
+              <a:tr h="370840">
+                <a:tc>
+                  <a:txBody>
+                    <a:bodyPr/>
+                    <a:lstStyle/>
+                    <a:p>
+                      <a:endParaRPr lang="zh-CN" altLang="en-US" dirty="0">
+                        <a:latin typeface="Times New Roman" panose="02020603050405020304" pitchFamily="18" charset="0"/>
+                        <a:cs typeface="Times New Roman" panose="02020603050405020304" pitchFamily="18" charset="0"/>
+                      </a:endParaRPr>
+                    </a:p>
+                  </a:txBody>
+                  <a:tcPr>
+                    <a:lnL w="12700" cap="flat" cmpd="sng" algn="ctr">
+                      <a:solidFill>
+                        <a:schemeClr val="tx1"/>
+                      </a:solidFill>
+                      <a:prstDash val="solid"/>
+                      <a:round/>
+                      <a:headEnd type="none" w="med" len="med"/>
+                      <a:tailEnd type="none" w="med" len="med"/>
+                    </a:lnL>
+                    <a:lnR w="12700" cap="flat" cmpd="sng" algn="ctr">
+                      <a:solidFill>
+                        <a:schemeClr val="tx1"/>
+                      </a:solidFill>
+                      <a:prstDash val="solid"/>
+                      <a:round/>
+                      <a:headEnd type="none" w="med" len="med"/>
+                      <a:tailEnd type="none" w="med" len="med"/>
+                    </a:lnR>
+                    <a:lnT w="12700" cap="flat" cmpd="sng" algn="ctr">
+                      <a:solidFill>
+                        <a:schemeClr val="tx1"/>
+                      </a:solidFill>
+                      <a:prstDash val="solid"/>
+                      <a:round/>
+                      <a:headEnd type="none" w="med" len="med"/>
+                      <a:tailEnd type="none" w="med" len="med"/>
+                    </a:lnT>
+                    <a:lnB w="12700" cap="flat" cmpd="sng" algn="ctr">
+                      <a:solidFill>
+                        <a:schemeClr val="tx1"/>
+                      </a:solidFill>
+                      <a:prstDash val="solid"/>
+                      <a:round/>
+                      <a:headEnd type="none" w="med" len="med"/>
+                      <a:tailEnd type="none" w="med" len="med"/>
+                    </a:lnB>
+                  </a:tcPr>
+                </a:tc>
+                <a:tc>
+                  <a:txBody>
+                    <a:bodyPr/>
+                    <a:lstStyle/>
+                    <a:p>
+                      <a:pPr marL="0" marR="0" lvl="0" indent="0" algn="l" defTabSz="914400" rtl="0" eaLnBrk="1" fontAlgn="auto" latinLnBrk="0" hangingPunct="1">
+                        <a:lnSpc>
+                          <a:spcPct val="100000"/>
+                        </a:lnSpc>
+                        <a:spcBef>
+                          <a:spcPts val="0"/>
+                        </a:spcBef>
+                        <a:spcAft>
+                          <a:spcPts val="0"/>
+                        </a:spcAft>
+                        <a:buClrTx/>
+                        <a:buSzTx/>
+                        <a:buFontTx/>
+                        <a:buNone/>
+                        <a:tabLst/>
+                        <a:defRPr/>
+                      </a:pPr>
+                      <a:endParaRPr lang="zh-CN" altLang="en-US" sz="1800" kern="100" dirty="0">
+                        <a:effectLst/>
+                        <a:latin typeface="宋体" panose="02010600030101010101" pitchFamily="2" charset="-122"/>
+                        <a:ea typeface="宋体" panose="02010600030101010101" pitchFamily="2" charset="-122"/>
+                        <a:cs typeface="Times New Roman" panose="02020603050405020304" pitchFamily="18" charset="0"/>
+                      </a:endParaRPr>
+                    </a:p>
+                  </a:txBody>
+                  <a:tcPr>
+                    <a:lnL w="12700" cap="flat" cmpd="sng" algn="ctr">
+                      <a:solidFill>
+                        <a:schemeClr val="tx1"/>
+                      </a:solidFill>
+                      <a:prstDash val="solid"/>
+                      <a:round/>
+                      <a:headEnd type="none" w="med" len="med"/>
+                      <a:tailEnd type="none" w="med" len="med"/>
+                    </a:lnL>
+                    <a:lnR w="12700" cap="flat" cmpd="sng" algn="ctr">
+                      <a:solidFill>
+                        <a:schemeClr val="tx1"/>
+                      </a:solidFill>
+                      <a:prstDash val="solid"/>
+                      <a:round/>
+                      <a:headEnd type="none" w="med" len="med"/>
+                      <a:tailEnd type="none" w="med" len="med"/>
+                    </a:lnR>
+                    <a:lnT w="12700" cap="flat" cmpd="sng" algn="ctr">
+                      <a:solidFill>
+                        <a:schemeClr val="tx1"/>
+                      </a:solidFill>
+                      <a:prstDash val="solid"/>
+                      <a:round/>
+                      <a:headEnd type="none" w="med" len="med"/>
+                      <a:tailEnd type="none" w="med" len="med"/>
+                    </a:lnT>
+                    <a:lnB w="12700" cap="flat" cmpd="sng" algn="ctr">
+                      <a:solidFill>
+                        <a:schemeClr val="tx1"/>
+                      </a:solidFill>
+                      <a:prstDash val="solid"/>
+                      <a:round/>
+                      <a:headEnd type="none" w="med" len="med"/>
+                      <a:tailEnd type="none" w="med" len="med"/>
+                    </a:lnB>
+                  </a:tcPr>
+                </a:tc>
+                <a:extLst>
+                  <a:ext uri="{0D108BD9-81ED-4DB2-BD59-A6C34878D82A}">
+                    <a16:rowId xmlns:a16="http://schemas.microsoft.com/office/drawing/2014/main" val="3817804649"/>
+                  </a:ext>
+                </a:extLst>
+              </a:tr>
+              <a:tr h="370840">
+                <a:tc>
+                  <a:txBody>
+                    <a:bodyPr/>
+                    <a:lstStyle/>
+                    <a:p>
+                      <a:endParaRPr lang="zh-CN" altLang="en-US" dirty="0">
+                        <a:latin typeface="Times New Roman" panose="02020603050405020304" pitchFamily="18" charset="0"/>
+                        <a:cs typeface="Times New Roman" panose="02020603050405020304" pitchFamily="18" charset="0"/>
+                      </a:endParaRPr>
+                    </a:p>
+                  </a:txBody>
+                  <a:tcPr>
+                    <a:lnL w="12700" cap="flat" cmpd="sng" algn="ctr">
+                      <a:solidFill>
+                        <a:schemeClr val="tx1"/>
+                      </a:solidFill>
+                      <a:prstDash val="solid"/>
+                      <a:round/>
+                      <a:headEnd type="none" w="med" len="med"/>
+                      <a:tailEnd type="none" w="med" len="med"/>
+                    </a:lnL>
+                    <a:lnR w="12700" cap="flat" cmpd="sng" algn="ctr">
+                      <a:solidFill>
+                        <a:schemeClr val="tx1"/>
+                      </a:solidFill>
+                      <a:prstDash val="solid"/>
+                      <a:round/>
+                      <a:headEnd type="none" w="med" len="med"/>
+                      <a:tailEnd type="none" w="med" len="med"/>
+                    </a:lnR>
+                    <a:lnT w="12700" cap="flat" cmpd="sng" algn="ctr">
+                      <a:solidFill>
+                        <a:schemeClr val="tx1"/>
+                      </a:solidFill>
+                      <a:prstDash val="solid"/>
+                      <a:round/>
+                      <a:headEnd type="none" w="med" len="med"/>
+                      <a:tailEnd type="none" w="med" len="med"/>
+                    </a:lnT>
+                    <a:lnB w="12700" cap="flat" cmpd="sng" algn="ctr">
+                      <a:solidFill>
+                        <a:schemeClr val="tx1"/>
+                      </a:solidFill>
+                      <a:prstDash val="solid"/>
+                      <a:round/>
+                      <a:headEnd type="none" w="med" len="med"/>
+                      <a:tailEnd type="none" w="med" len="med"/>
+                    </a:lnB>
+                  </a:tcPr>
+                </a:tc>
+                <a:tc>
+                  <a:txBody>
+                    <a:bodyPr/>
+                    <a:lstStyle/>
+                    <a:p>
+                      <a:pPr marL="0" marR="0" lvl="0" indent="0" algn="l" defTabSz="914400" rtl="0" eaLnBrk="1" fontAlgn="auto" latinLnBrk="0" hangingPunct="1">
+                        <a:lnSpc>
+                          <a:spcPct val="100000"/>
+                        </a:lnSpc>
+                        <a:spcBef>
+                          <a:spcPts val="0"/>
+                        </a:spcBef>
+                        <a:spcAft>
+                          <a:spcPts val="0"/>
+                        </a:spcAft>
+                        <a:buClrTx/>
+                        <a:buSzTx/>
+                        <a:buFontTx/>
+                        <a:buNone/>
+                        <a:tabLst/>
+                        <a:defRPr/>
+                      </a:pPr>
+                      <a:endParaRPr lang="zh-CN" altLang="en-US" sz="1800" kern="100" dirty="0">
+                        <a:effectLst/>
+                        <a:latin typeface="宋体" panose="02010600030101010101" pitchFamily="2" charset="-122"/>
+                        <a:ea typeface="宋体" panose="02010600030101010101" pitchFamily="2" charset="-122"/>
+                        <a:cs typeface="Times New Roman" panose="02020603050405020304" pitchFamily="18" charset="0"/>
+                      </a:endParaRPr>
+                    </a:p>
+                  </a:txBody>
+                  <a:tcPr>
+                    <a:lnL w="12700" cap="flat" cmpd="sng" algn="ctr">
+                      <a:solidFill>
+                        <a:schemeClr val="tx1"/>
+                      </a:solidFill>
+                      <a:prstDash val="solid"/>
+                      <a:round/>
+                      <a:headEnd type="none" w="med" len="med"/>
+                      <a:tailEnd type="none" w="med" len="med"/>
+                    </a:lnL>
+                    <a:lnR w="12700" cap="flat" cmpd="sng" algn="ctr">
+                      <a:solidFill>
+                        <a:schemeClr val="tx1"/>
+                      </a:solidFill>
+                      <a:prstDash val="solid"/>
+                      <a:round/>
+                      <a:headEnd type="none" w="med" len="med"/>
+                      <a:tailEnd type="none" w="med" len="med"/>
+                    </a:lnR>
+                    <a:lnT w="12700" cap="flat" cmpd="sng" algn="ctr">
+                      <a:solidFill>
+                        <a:schemeClr val="tx1"/>
+                      </a:solidFill>
+                      <a:prstDash val="solid"/>
+                      <a:round/>
+                      <a:headEnd type="none" w="med" len="med"/>
+                      <a:tailEnd type="none" w="med" len="med"/>
+                    </a:lnT>
+                    <a:lnB w="12700" cap="flat" cmpd="sng" algn="ctr">
+                      <a:solidFill>
+                        <a:schemeClr val="tx1"/>
+                      </a:solidFill>
+                      <a:prstDash val="solid"/>
+                      <a:round/>
+                      <a:headEnd type="none" w="med" len="med"/>
+                      <a:tailEnd type="none" w="med" len="med"/>
+                    </a:lnB>
+                  </a:tcPr>
+                </a:tc>
+                <a:extLst>
+                  <a:ext uri="{0D108BD9-81ED-4DB2-BD59-A6C34878D82A}">
+                    <a16:rowId xmlns:a16="http://schemas.microsoft.com/office/drawing/2014/main" val="3662525985"/>
+                  </a:ext>
+                </a:extLst>
+              </a:tr>
+              <a:tr h="370840">
+                <a:tc>
+                  <a:txBody>
+                    <a:bodyPr/>
+                    <a:lstStyle/>
+                    <a:p>
+                      <a:endParaRPr lang="zh-CN" altLang="en-US" dirty="0">
+                        <a:latin typeface="Times New Roman" panose="02020603050405020304" pitchFamily="18" charset="0"/>
+                        <a:cs typeface="Times New Roman" panose="02020603050405020304" pitchFamily="18" charset="0"/>
+                      </a:endParaRPr>
+                    </a:p>
+                  </a:txBody>
+                  <a:tcPr>
+                    <a:lnL w="12700" cap="flat" cmpd="sng" algn="ctr">
+                      <a:solidFill>
+                        <a:schemeClr val="tx1"/>
+                      </a:solidFill>
+                      <a:prstDash val="solid"/>
+                      <a:round/>
+                      <a:headEnd type="none" w="med" len="med"/>
+                      <a:tailEnd type="none" w="med" len="med"/>
+                    </a:lnL>
+                    <a:lnR w="12700" cap="flat" cmpd="sng" algn="ctr">
+                      <a:solidFill>
+                        <a:schemeClr val="tx1"/>
+                      </a:solidFill>
+                      <a:prstDash val="solid"/>
+                      <a:round/>
+                      <a:headEnd type="none" w="med" len="med"/>
+                      <a:tailEnd type="none" w="med" len="med"/>
+                    </a:lnR>
+                    <a:lnT w="12700" cap="flat" cmpd="sng" algn="ctr">
+                      <a:solidFill>
+                        <a:schemeClr val="tx1"/>
+                      </a:solidFill>
+                      <a:prstDash val="solid"/>
+                      <a:round/>
+                      <a:headEnd type="none" w="med" len="med"/>
+                      <a:tailEnd type="none" w="med" len="med"/>
+                    </a:lnT>
+                    <a:lnB w="12700" cap="flat" cmpd="sng" algn="ctr">
+                      <a:solidFill>
+                        <a:schemeClr val="tx1"/>
+                      </a:solidFill>
+                      <a:prstDash val="solid"/>
+                      <a:round/>
+                      <a:headEnd type="none" w="med" len="med"/>
+                      <a:tailEnd type="none" w="med" len="med"/>
+                    </a:lnB>
+                  </a:tcPr>
+                </a:tc>
+                <a:tc>
+                  <a:txBody>
+                    <a:bodyPr/>
+                    <a:lstStyle/>
+                    <a:p>
+                      <a:pPr marL="0" marR="0" lvl="0" indent="0" algn="l" defTabSz="914400" rtl="0" eaLnBrk="1" fontAlgn="auto" latinLnBrk="0" hangingPunct="1">
+                        <a:lnSpc>
+                          <a:spcPct val="100000"/>
+                        </a:lnSpc>
+                        <a:spcBef>
+                          <a:spcPts val="0"/>
+                        </a:spcBef>
+                        <a:spcAft>
+                          <a:spcPts val="0"/>
+                        </a:spcAft>
+                        <a:buClrTx/>
+                        <a:buSzTx/>
+                        <a:buFontTx/>
+                        <a:buNone/>
+                        <a:tabLst/>
+                        <a:defRPr/>
+                      </a:pPr>
+                      <a:endParaRPr lang="zh-CN" altLang="en-US" sz="1800" kern="100" dirty="0">
+                        <a:effectLst/>
+                        <a:latin typeface="宋体" panose="02010600030101010101" pitchFamily="2" charset="-122"/>
+                        <a:ea typeface="宋体" panose="02010600030101010101" pitchFamily="2" charset="-122"/>
+                        <a:cs typeface="Times New Roman" panose="02020603050405020304" pitchFamily="18" charset="0"/>
+                      </a:endParaRPr>
+                    </a:p>
+                  </a:txBody>
+                  <a:tcPr>
+                    <a:lnL w="12700" cap="flat" cmpd="sng" algn="ctr">
+                      <a:solidFill>
+                        <a:schemeClr val="tx1"/>
+                      </a:solidFill>
+                      <a:prstDash val="solid"/>
+                      <a:round/>
+                      <a:headEnd type="none" w="med" len="med"/>
+                      <a:tailEnd type="none" w="med" len="med"/>
+                    </a:lnL>
+                    <a:lnR w="12700" cap="flat" cmpd="sng" algn="ctr">
+                      <a:solidFill>
+                        <a:schemeClr val="tx1"/>
+                      </a:solidFill>
+                      <a:prstDash val="solid"/>
+                      <a:round/>
+                      <a:headEnd type="none" w="med" len="med"/>
+                      <a:tailEnd type="none" w="med" len="med"/>
+                    </a:lnR>
+                    <a:lnT w="12700" cap="flat" cmpd="sng" algn="ctr">
+                      <a:solidFill>
+                        <a:schemeClr val="tx1"/>
+                      </a:solidFill>
+                      <a:prstDash val="solid"/>
+                      <a:round/>
+                      <a:headEnd type="none" w="med" len="med"/>
+                      <a:tailEnd type="none" w="med" len="med"/>
+                    </a:lnT>
+                    <a:lnB w="12700" cap="flat" cmpd="sng" algn="ctr">
+                      <a:solidFill>
+                        <a:schemeClr val="tx1"/>
+                      </a:solidFill>
+                      <a:prstDash val="solid"/>
+                      <a:round/>
+                      <a:headEnd type="none" w="med" len="med"/>
+                      <a:tailEnd type="none" w="med" len="med"/>
+                    </a:lnB>
+                  </a:tcPr>
+                </a:tc>
+                <a:extLst>
+                  <a:ext uri="{0D108BD9-81ED-4DB2-BD59-A6C34878D82A}">
+                    <a16:rowId xmlns:a16="http://schemas.microsoft.com/office/drawing/2014/main" val="2847196594"/>
+                  </a:ext>
+                </a:extLst>
+              </a:tr>
+              <a:tr h="370840">
+                <a:tc>
+                  <a:txBody>
+                    <a:bodyPr/>
+                    <a:lstStyle/>
+                    <a:p>
+                      <a:endParaRPr lang="zh-CN" altLang="en-US" dirty="0">
+                        <a:latin typeface="Times New Roman" panose="02020603050405020304" pitchFamily="18" charset="0"/>
+                        <a:cs typeface="Times New Roman" panose="02020603050405020304" pitchFamily="18" charset="0"/>
+                      </a:endParaRPr>
+                    </a:p>
+                  </a:txBody>
+                  <a:tcPr>
+                    <a:lnL w="12700" cap="flat" cmpd="sng" algn="ctr">
+                      <a:solidFill>
+                        <a:schemeClr val="tx1"/>
+                      </a:solidFill>
+                      <a:prstDash val="solid"/>
+                      <a:round/>
+                      <a:headEnd type="none" w="med" len="med"/>
+                      <a:tailEnd type="none" w="med" len="med"/>
+                    </a:lnL>
+                    <a:lnR w="12700" cap="flat" cmpd="sng" algn="ctr">
+                      <a:solidFill>
+                        <a:schemeClr val="tx1"/>
+                      </a:solidFill>
+                      <a:prstDash val="solid"/>
+                      <a:round/>
+                      <a:headEnd type="none" w="med" len="med"/>
+                      <a:tailEnd type="none" w="med" len="med"/>
+                    </a:lnR>
+                    <a:lnT w="12700" cap="flat" cmpd="sng" algn="ctr">
+                      <a:solidFill>
+                        <a:schemeClr val="tx1"/>
+                      </a:solidFill>
+                      <a:prstDash val="solid"/>
+                      <a:round/>
+                      <a:headEnd type="none" w="med" len="med"/>
+                      <a:tailEnd type="none" w="med" len="med"/>
+                    </a:lnT>
+                    <a:lnB w="12700" cap="flat" cmpd="sng" algn="ctr">
+                      <a:solidFill>
+                        <a:schemeClr val="tx1"/>
+                      </a:solidFill>
+                      <a:prstDash val="solid"/>
+                      <a:round/>
+                      <a:headEnd type="none" w="med" len="med"/>
+                      <a:tailEnd type="none" w="med" len="med"/>
+                    </a:lnB>
+                  </a:tcPr>
+                </a:tc>
+                <a:tc>
+                  <a:txBody>
+                    <a:bodyPr/>
+                    <a:lstStyle/>
+                    <a:p>
+                      <a:pPr marL="0" marR="0" lvl="0" indent="0" algn="l" defTabSz="914400" rtl="0" eaLnBrk="1" fontAlgn="auto" latinLnBrk="0" hangingPunct="1">
+                        <a:lnSpc>
+                          <a:spcPct val="100000"/>
+                        </a:lnSpc>
+                        <a:spcBef>
+                          <a:spcPts val="0"/>
+                        </a:spcBef>
+                        <a:spcAft>
+                          <a:spcPts val="0"/>
+                        </a:spcAft>
+                        <a:buClrTx/>
+                        <a:buSzTx/>
+                        <a:buFontTx/>
+                        <a:buNone/>
+                        <a:tabLst/>
+                        <a:defRPr/>
+                      </a:pPr>
+                      <a:endParaRPr lang="zh-CN" altLang="en-US" sz="1800" kern="100" dirty="0">
+                        <a:effectLst/>
+                        <a:latin typeface="宋体" panose="02010600030101010101" pitchFamily="2" charset="-122"/>
+                        <a:ea typeface="宋体" panose="02010600030101010101" pitchFamily="2" charset="-122"/>
+                        <a:cs typeface="Times New Roman" panose="02020603050405020304" pitchFamily="18" charset="0"/>
+                      </a:endParaRPr>
+                    </a:p>
+                  </a:txBody>
+                  <a:tcPr>
+                    <a:lnL w="12700" cap="flat" cmpd="sng" algn="ctr">
+                      <a:solidFill>
+                        <a:schemeClr val="tx1"/>
+                      </a:solidFill>
+                      <a:prstDash val="solid"/>
+                      <a:round/>
+                      <a:headEnd type="none" w="med" len="med"/>
+                      <a:tailEnd type="none" w="med" len="med"/>
+                    </a:lnL>
+                    <a:lnR w="12700" cap="flat" cmpd="sng" algn="ctr">
+                      <a:solidFill>
+                        <a:schemeClr val="tx1"/>
+                      </a:solidFill>
+                      <a:prstDash val="solid"/>
+                      <a:round/>
+                      <a:headEnd type="none" w="med" len="med"/>
+                      <a:tailEnd type="none" w="med" len="med"/>
+                    </a:lnR>
+                    <a:lnT w="12700" cap="flat" cmpd="sng" algn="ctr">
+                      <a:solidFill>
+                        <a:schemeClr val="tx1"/>
+                      </a:solidFill>
+                      <a:prstDash val="solid"/>
+                      <a:round/>
+                      <a:headEnd type="none" w="med" len="med"/>
+                      <a:tailEnd type="none" w="med" len="med"/>
+                    </a:lnT>
+                    <a:lnB w="12700" cap="flat" cmpd="sng" algn="ctr">
+                      <a:solidFill>
+                        <a:schemeClr val="tx1"/>
+                      </a:solidFill>
+                      <a:prstDash val="solid"/>
+                      <a:round/>
+                      <a:headEnd type="none" w="med" len="med"/>
+                      <a:tailEnd type="none" w="med" len="med"/>
+                    </a:lnB>
+                  </a:tcPr>
+                </a:tc>
+                <a:extLst>
+                  <a:ext uri="{0D108BD9-81ED-4DB2-BD59-A6C34878D82A}">
+                    <a16:rowId xmlns:a16="http://schemas.microsoft.com/office/drawing/2014/main" val="805965994"/>
+                  </a:ext>
+                </a:extLst>
+              </a:tr>
+              <a:tr h="370840">
+                <a:tc>
+                  <a:txBody>
+                    <a:bodyPr/>
+                    <a:lstStyle/>
+                    <a:p>
+                      <a:endParaRPr lang="zh-CN" altLang="en-US" dirty="0">
+                        <a:latin typeface="Times New Roman" panose="02020603050405020304" pitchFamily="18" charset="0"/>
+                        <a:cs typeface="Times New Roman" panose="02020603050405020304" pitchFamily="18" charset="0"/>
+                      </a:endParaRPr>
+                    </a:p>
+                  </a:txBody>
+                  <a:tcPr>
+                    <a:lnL w="12700" cap="flat" cmpd="sng" algn="ctr">
+                      <a:solidFill>
+                        <a:schemeClr val="tx1"/>
+                      </a:solidFill>
+                      <a:prstDash val="solid"/>
+                      <a:round/>
+                      <a:headEnd type="none" w="med" len="med"/>
+                      <a:tailEnd type="none" w="med" len="med"/>
+                    </a:lnL>
+                    <a:lnR w="12700" cap="flat" cmpd="sng" algn="ctr">
+                      <a:solidFill>
+                        <a:schemeClr val="tx1"/>
+                      </a:solidFill>
+                      <a:prstDash val="solid"/>
+                      <a:round/>
+                      <a:headEnd type="none" w="med" len="med"/>
+                      <a:tailEnd type="none" w="med" len="med"/>
+                    </a:lnR>
+                    <a:lnT w="12700" cap="flat" cmpd="sng" algn="ctr">
+                      <a:solidFill>
+                        <a:schemeClr val="tx1"/>
+                      </a:solidFill>
+                      <a:prstDash val="solid"/>
+                      <a:round/>
+                      <a:headEnd type="none" w="med" len="med"/>
+                      <a:tailEnd type="none" w="med" len="med"/>
+                    </a:lnT>
+                    <a:lnB w="12700" cap="flat" cmpd="sng" algn="ctr">
+                      <a:solidFill>
+                        <a:schemeClr val="tx1"/>
+                      </a:solidFill>
+                      <a:prstDash val="solid"/>
+                      <a:round/>
+                      <a:headEnd type="none" w="med" len="med"/>
+                      <a:tailEnd type="none" w="med" len="med"/>
+                    </a:lnB>
+                  </a:tcPr>
+                </a:tc>
+                <a:tc>
+                  <a:txBody>
+                    <a:bodyPr/>
+                    <a:lstStyle/>
+                    <a:p>
+                      <a:pPr marL="0" marR="0" lvl="0" indent="0" algn="l" defTabSz="914400" rtl="0" eaLnBrk="1" fontAlgn="auto" latinLnBrk="0" hangingPunct="1">
+                        <a:lnSpc>
+                          <a:spcPct val="100000"/>
+                        </a:lnSpc>
+                        <a:spcBef>
+                          <a:spcPts val="0"/>
+                        </a:spcBef>
+                        <a:spcAft>
+                          <a:spcPts val="0"/>
+                        </a:spcAft>
+                        <a:buClrTx/>
+                        <a:buSzTx/>
+                        <a:buFontTx/>
+                        <a:buNone/>
+                        <a:tabLst/>
+                        <a:defRPr/>
+                      </a:pPr>
+                      <a:endParaRPr lang="zh-CN" altLang="zh-CN" sz="1800" kern="100" dirty="0">
+                        <a:effectLst/>
+                        <a:latin typeface="宋体" panose="02010600030101010101" pitchFamily="2" charset="-122"/>
+                        <a:ea typeface="宋体" panose="02010600030101010101" pitchFamily="2" charset="-122"/>
+                        <a:cs typeface="Times New Roman" panose="02020603050405020304" pitchFamily="18" charset="0"/>
+                      </a:endParaRPr>
+                    </a:p>
+                  </a:txBody>
+                  <a:tcPr>
+                    <a:lnL w="12700" cap="flat" cmpd="sng" algn="ctr">
+                      <a:solidFill>
+                        <a:schemeClr val="tx1"/>
+                      </a:solidFill>
+                      <a:prstDash val="solid"/>
+                      <a:round/>
+                      <a:headEnd type="none" w="med" len="med"/>
+                      <a:tailEnd type="none" w="med" len="med"/>
+                    </a:lnL>
+                    <a:lnR w="12700" cap="flat" cmpd="sng" algn="ctr">
+                      <a:solidFill>
+                        <a:schemeClr val="tx1"/>
+                      </a:solidFill>
+                      <a:prstDash val="solid"/>
+                      <a:round/>
+                      <a:headEnd type="none" w="med" len="med"/>
+                      <a:tailEnd type="none" w="med" len="med"/>
+                    </a:lnR>
+                    <a:lnT w="12700" cap="flat" cmpd="sng" algn="ctr">
+                      <a:solidFill>
+                        <a:schemeClr val="tx1"/>
+                      </a:solidFill>
+                      <a:prstDash val="solid"/>
+                      <a:round/>
+                      <a:headEnd type="none" w="med" len="med"/>
+                      <a:tailEnd type="none" w="med" len="med"/>
+                    </a:lnT>
+                    <a:lnB w="12700" cap="flat" cmpd="sng" algn="ctr">
+                      <a:solidFill>
+                        <a:schemeClr val="tx1"/>
+                      </a:solidFill>
+                      <a:prstDash val="solid"/>
+                      <a:round/>
+                      <a:headEnd type="none" w="med" len="med"/>
+                      <a:tailEnd type="none" w="med" len="med"/>
+                    </a:lnB>
+                  </a:tcPr>
+                </a:tc>
+                <a:extLst>
+                  <a:ext uri="{0D108BD9-81ED-4DB2-BD59-A6C34878D82A}">
+                    <a16:rowId xmlns:a16="http://schemas.microsoft.com/office/drawing/2014/main" val="1904101609"/>
+                  </a:ext>
+                </a:extLst>
+              </a:tr>
+              <a:tr h="370840">
+                <a:tc>
+                  <a:txBody>
+                    <a:bodyPr/>
+                    <a:lstStyle/>
+                    <a:p>
+                      <a:pPr marL="0" marR="0" lvl="0" indent="0" algn="l" defTabSz="914400" rtl="0" eaLnBrk="1" fontAlgn="auto" latinLnBrk="0" hangingPunct="1">
+                        <a:lnSpc>
+                          <a:spcPct val="100000"/>
+                        </a:lnSpc>
+                        <a:spcBef>
+                          <a:spcPts val="0"/>
+                        </a:spcBef>
+                        <a:spcAft>
+                          <a:spcPts val="0"/>
+                        </a:spcAft>
+                        <a:buClrTx/>
+                        <a:buSzTx/>
+                        <a:buFontTx/>
+                        <a:buNone/>
+                        <a:tabLst/>
+                        <a:defRPr/>
+                      </a:pPr>
+                      <a:endParaRPr lang="zh-CN" altLang="en-US" sz="1800" dirty="0">
+                        <a:latin typeface="Times New Roman" panose="02020603050405020304" pitchFamily="18" charset="0"/>
+                        <a:cs typeface="Times New Roman" panose="02020603050405020304" pitchFamily="18" charset="0"/>
+                      </a:endParaRPr>
+                    </a:p>
+                  </a:txBody>
+                  <a:tcPr>
+                    <a:lnL w="12700" cap="flat" cmpd="sng" algn="ctr">
+                      <a:solidFill>
+                        <a:schemeClr val="tx1"/>
+                      </a:solidFill>
+                      <a:prstDash val="solid"/>
+                      <a:round/>
+                      <a:headEnd type="none" w="med" len="med"/>
+                      <a:tailEnd type="none" w="med" len="med"/>
+                    </a:lnL>
+                    <a:lnR w="12700" cap="flat" cmpd="sng" algn="ctr">
+                      <a:solidFill>
+                        <a:schemeClr val="tx1"/>
+                      </a:solidFill>
+                      <a:prstDash val="solid"/>
+                      <a:round/>
+                      <a:headEnd type="none" w="med" len="med"/>
+                      <a:tailEnd type="none" w="med" len="med"/>
+                    </a:lnR>
+                    <a:lnT w="12700" cap="flat" cmpd="sng" algn="ctr">
+                      <a:solidFill>
+                        <a:schemeClr val="tx1"/>
+                      </a:solidFill>
+                      <a:prstDash val="solid"/>
+                      <a:round/>
+                      <a:headEnd type="none" w="med" len="med"/>
+                      <a:tailEnd type="none" w="med" len="med"/>
+                    </a:lnT>
+                    <a:lnB w="12700" cap="flat" cmpd="sng" algn="ctr">
+                      <a:solidFill>
+                        <a:schemeClr val="tx1"/>
+                      </a:solidFill>
+                      <a:prstDash val="solid"/>
+                      <a:round/>
+                      <a:headEnd type="none" w="med" len="med"/>
+                      <a:tailEnd type="none" w="med" len="med"/>
+                    </a:lnB>
+                  </a:tcPr>
+                </a:tc>
+                <a:tc>
+                  <a:txBody>
+                    <a:bodyPr/>
+                    <a:lstStyle/>
+                    <a:p>
+                      <a:pPr marL="0" marR="0" lvl="0" indent="0" algn="l" defTabSz="914400" rtl="0" eaLnBrk="1" fontAlgn="auto" latinLnBrk="0" hangingPunct="1">
+                        <a:lnSpc>
+                          <a:spcPct val="100000"/>
+                        </a:lnSpc>
+                        <a:spcBef>
+                          <a:spcPts val="0"/>
+                        </a:spcBef>
+                        <a:spcAft>
+                          <a:spcPts val="0"/>
+                        </a:spcAft>
+                        <a:buClrTx/>
+                        <a:buSzTx/>
+                        <a:buFontTx/>
+                        <a:buNone/>
+                        <a:tabLst/>
+                        <a:defRPr/>
+                      </a:pPr>
+                      <a:endParaRPr lang="zh-CN" altLang="en-US" sz="1800" kern="100" dirty="0">
+                        <a:effectLst/>
+                        <a:latin typeface="宋体" panose="02010600030101010101" pitchFamily="2" charset="-122"/>
+                        <a:ea typeface="宋体" panose="02010600030101010101" pitchFamily="2" charset="-122"/>
+                        <a:cs typeface="Times New Roman" panose="02020603050405020304" pitchFamily="18" charset="0"/>
+                      </a:endParaRPr>
+                    </a:p>
+                  </a:txBody>
+                  <a:tcPr>
+                    <a:lnL w="12700" cap="flat" cmpd="sng" algn="ctr">
+                      <a:solidFill>
+                        <a:schemeClr val="tx1"/>
+                      </a:solidFill>
+                      <a:prstDash val="solid"/>
+                      <a:round/>
+                      <a:headEnd type="none" w="med" len="med"/>
+                      <a:tailEnd type="none" w="med" len="med"/>
+                    </a:lnL>
+                    <a:lnR w="12700" cap="flat" cmpd="sng" algn="ctr">
+                      <a:solidFill>
+                        <a:schemeClr val="tx1"/>
+                      </a:solidFill>
+                      <a:prstDash val="solid"/>
+                      <a:round/>
+                      <a:headEnd type="none" w="med" len="med"/>
+                      <a:tailEnd type="none" w="med" len="med"/>
+                    </a:lnR>
+                    <a:lnT w="12700" cap="flat" cmpd="sng" algn="ctr">
+                      <a:solidFill>
+                        <a:schemeClr val="tx1"/>
+                      </a:solidFill>
+                      <a:prstDash val="solid"/>
+                      <a:round/>
+                      <a:headEnd type="none" w="med" len="med"/>
+                      <a:tailEnd type="none" w="med" len="med"/>
+                    </a:lnT>
+                    <a:lnB w="12700" cap="flat" cmpd="sng" algn="ctr">
+                      <a:solidFill>
+                        <a:schemeClr val="tx1"/>
+                      </a:solidFill>
+                      <a:prstDash val="solid"/>
+                      <a:round/>
+                      <a:headEnd type="none" w="med" len="med"/>
+                      <a:tailEnd type="none" w="med" len="med"/>
+                    </a:lnB>
+                  </a:tcPr>
+                </a:tc>
+                <a:extLst>
+                  <a:ext uri="{0D108BD9-81ED-4DB2-BD59-A6C34878D82A}">
+                    <a16:rowId xmlns:a16="http://schemas.microsoft.com/office/drawing/2014/main" val="788753350"/>
+                  </a:ext>
+                </a:extLst>
+              </a:tr>
+              <a:tr h="370840">
+                <a:tc>
+                  <a:txBody>
+                    <a:bodyPr/>
+                    <a:lstStyle/>
+                    <a:p>
+                      <a:endParaRPr lang="zh-CN" altLang="en-US" dirty="0">
+                        <a:latin typeface="Times New Roman" panose="02020603050405020304" pitchFamily="18" charset="0"/>
+                        <a:cs typeface="Times New Roman" panose="02020603050405020304" pitchFamily="18" charset="0"/>
+                      </a:endParaRPr>
+                    </a:p>
+                  </a:txBody>
+                  <a:tcPr>
+                    <a:lnL w="12700" cap="flat" cmpd="sng" algn="ctr">
+                      <a:solidFill>
+                        <a:schemeClr val="tx1"/>
+                      </a:solidFill>
+                      <a:prstDash val="solid"/>
+                      <a:round/>
+                      <a:headEnd type="none" w="med" len="med"/>
+                      <a:tailEnd type="none" w="med" len="med"/>
+                    </a:lnL>
+                    <a:lnR w="12700" cap="flat" cmpd="sng" algn="ctr">
+                      <a:solidFill>
+                        <a:schemeClr val="tx1"/>
+                      </a:solidFill>
+                      <a:prstDash val="solid"/>
+                      <a:round/>
+                      <a:headEnd type="none" w="med" len="med"/>
+                      <a:tailEnd type="none" w="med" len="med"/>
+                    </a:lnR>
+                    <a:lnT w="12700" cap="flat" cmpd="sng" algn="ctr">
+                      <a:solidFill>
+                        <a:schemeClr val="tx1"/>
+                      </a:solidFill>
+                      <a:prstDash val="solid"/>
+                      <a:round/>
+                      <a:headEnd type="none" w="med" len="med"/>
+                      <a:tailEnd type="none" w="med" len="med"/>
+                    </a:lnT>
+                    <a:lnB w="12700" cap="flat" cmpd="sng" algn="ctr">
+                      <a:solidFill>
+                        <a:schemeClr val="tx1"/>
+                      </a:solidFill>
+                      <a:prstDash val="solid"/>
+                      <a:round/>
+                      <a:headEnd type="none" w="med" len="med"/>
+                      <a:tailEnd type="none" w="med" len="med"/>
+                    </a:lnB>
+                  </a:tcPr>
+                </a:tc>
+                <a:tc>
+                  <a:txBody>
+                    <a:bodyPr/>
+                    <a:lstStyle/>
+                    <a:p>
+                      <a:pPr marL="0" marR="0" lvl="0" indent="0" algn="l" defTabSz="914400" rtl="0" eaLnBrk="1" fontAlgn="auto" latinLnBrk="0" hangingPunct="1">
+                        <a:lnSpc>
+                          <a:spcPct val="100000"/>
+                        </a:lnSpc>
+                        <a:spcBef>
+                          <a:spcPts val="0"/>
+                        </a:spcBef>
+                        <a:spcAft>
+                          <a:spcPts val="0"/>
+                        </a:spcAft>
+                        <a:buClrTx/>
+                        <a:buSzTx/>
+                        <a:buFontTx/>
+                        <a:buNone/>
+                        <a:tabLst/>
+                        <a:defRPr/>
+                      </a:pPr>
+                      <a:endParaRPr lang="zh-CN" altLang="en-US" sz="1800" kern="100" dirty="0">
+                        <a:effectLst/>
+                        <a:latin typeface="宋体" panose="02010600030101010101" pitchFamily="2" charset="-122"/>
+                        <a:ea typeface="宋体" panose="02010600030101010101" pitchFamily="2" charset="-122"/>
+                        <a:cs typeface="Times New Roman" panose="02020603050405020304" pitchFamily="18" charset="0"/>
+                      </a:endParaRPr>
+                    </a:p>
+                  </a:txBody>
+                  <a:tcPr>
+                    <a:lnL w="12700" cap="flat" cmpd="sng" algn="ctr">
+                      <a:solidFill>
+                        <a:schemeClr val="tx1"/>
+                      </a:solidFill>
+                      <a:prstDash val="solid"/>
+                      <a:round/>
+                      <a:headEnd type="none" w="med" len="med"/>
+                      <a:tailEnd type="none" w="med" len="med"/>
+                    </a:lnL>
+                    <a:lnR w="12700" cap="flat" cmpd="sng" algn="ctr">
+                      <a:solidFill>
+                        <a:schemeClr val="tx1"/>
+                      </a:solidFill>
+                      <a:prstDash val="solid"/>
+                      <a:round/>
+                      <a:headEnd type="none" w="med" len="med"/>
+                      <a:tailEnd type="none" w="med" len="med"/>
+                    </a:lnR>
+                    <a:lnT w="12700" cap="flat" cmpd="sng" algn="ctr">
+                      <a:solidFill>
+                        <a:schemeClr val="tx1"/>
+                      </a:solidFill>
+                      <a:prstDash val="solid"/>
+                      <a:round/>
+                      <a:headEnd type="none" w="med" len="med"/>
+                      <a:tailEnd type="none" w="med" len="med"/>
+                    </a:lnT>
+                    <a:lnB w="12700" cap="flat" cmpd="sng" algn="ctr">
+                      <a:solidFill>
+                        <a:schemeClr val="tx1"/>
+                      </a:solidFill>
+                      <a:prstDash val="solid"/>
+                      <a:round/>
+                      <a:headEnd type="none" w="med" len="med"/>
+                      <a:tailEnd type="none" w="med" len="med"/>
+                    </a:lnB>
+                  </a:tcPr>
+                </a:tc>
+                <a:extLst>
+                  <a:ext uri="{0D108BD9-81ED-4DB2-BD59-A6C34878D82A}">
+                    <a16:rowId xmlns:a16="http://schemas.microsoft.com/office/drawing/2014/main" val="2566230532"/>
+                  </a:ext>
+                </a:extLst>
+              </a:tr>
+              <a:tr h="370840">
+                <a:tc>
+                  <a:txBody>
+                    <a:bodyPr/>
+                    <a:lstStyle/>
+                    <a:p>
+                      <a:endParaRPr lang="zh-CN" altLang="en-US" dirty="0">
+                        <a:latin typeface="Times New Roman" panose="02020603050405020304" pitchFamily="18" charset="0"/>
+                        <a:cs typeface="Times New Roman" panose="02020603050405020304" pitchFamily="18" charset="0"/>
+                      </a:endParaRPr>
+                    </a:p>
+                  </a:txBody>
+                  <a:tcPr>
+                    <a:lnL w="12700" cap="flat" cmpd="sng" algn="ctr">
+                      <a:solidFill>
+                        <a:schemeClr val="tx1"/>
+                      </a:solidFill>
+                      <a:prstDash val="solid"/>
+                      <a:round/>
+                      <a:headEnd type="none" w="med" len="med"/>
+                      <a:tailEnd type="none" w="med" len="med"/>
+                    </a:lnL>
+                    <a:lnR w="12700" cap="flat" cmpd="sng" algn="ctr">
+                      <a:solidFill>
+                        <a:schemeClr val="tx1"/>
+                      </a:solidFill>
+                      <a:prstDash val="solid"/>
+                      <a:round/>
+                      <a:headEnd type="none" w="med" len="med"/>
+                      <a:tailEnd type="none" w="med" len="med"/>
+                    </a:lnR>
+                    <a:lnT w="12700" cap="flat" cmpd="sng" algn="ctr">
+                      <a:solidFill>
+                        <a:schemeClr val="tx1"/>
+                      </a:solidFill>
+                      <a:prstDash val="solid"/>
+                      <a:round/>
+                      <a:headEnd type="none" w="med" len="med"/>
+                      <a:tailEnd type="none" w="med" len="med"/>
+                    </a:lnT>
+                    <a:lnB w="12700" cap="flat" cmpd="sng" algn="ctr">
+                      <a:solidFill>
+                        <a:schemeClr val="tx1"/>
+                      </a:solidFill>
+                      <a:prstDash val="solid"/>
+                      <a:round/>
+                      <a:headEnd type="none" w="med" len="med"/>
+                      <a:tailEnd type="none" w="med" len="med"/>
+                    </a:lnB>
+                  </a:tcPr>
+                </a:tc>
+                <a:tc>
+                  <a:txBody>
+                    <a:bodyPr/>
+                    <a:lstStyle/>
+                    <a:p>
+                      <a:pPr marL="0" marR="0" lvl="0" indent="0" algn="l" defTabSz="914400" rtl="0" eaLnBrk="1" fontAlgn="auto" latinLnBrk="0" hangingPunct="1">
+                        <a:lnSpc>
+                          <a:spcPct val="100000"/>
+                        </a:lnSpc>
+                        <a:spcBef>
+                          <a:spcPts val="0"/>
+                        </a:spcBef>
+                        <a:spcAft>
+                          <a:spcPts val="0"/>
+                        </a:spcAft>
+                        <a:buClrTx/>
+                        <a:buSzTx/>
+                        <a:buFontTx/>
+                        <a:buNone/>
+                        <a:tabLst/>
+                        <a:defRPr/>
+                      </a:pPr>
+                      <a:endParaRPr lang="zh-CN" altLang="en-US" sz="1800" kern="100" dirty="0">
+                        <a:effectLst/>
+                        <a:latin typeface="宋体" panose="02010600030101010101" pitchFamily="2" charset="-122"/>
+                        <a:ea typeface="宋体" panose="02010600030101010101" pitchFamily="2" charset="-122"/>
+                        <a:cs typeface="Times New Roman" panose="02020603050405020304" pitchFamily="18" charset="0"/>
+                      </a:endParaRPr>
+                    </a:p>
+                  </a:txBody>
+                  <a:tcPr>
+                    <a:lnL w="12700" cap="flat" cmpd="sng" algn="ctr">
+                      <a:solidFill>
+                        <a:schemeClr val="tx1"/>
+                      </a:solidFill>
+                      <a:prstDash val="solid"/>
+                      <a:round/>
+                      <a:headEnd type="none" w="med" len="med"/>
+                      <a:tailEnd type="none" w="med" len="med"/>
+                    </a:lnL>
+                    <a:lnR w="12700" cap="flat" cmpd="sng" algn="ctr">
+                      <a:solidFill>
+                        <a:schemeClr val="tx1"/>
+                      </a:solidFill>
+                      <a:prstDash val="solid"/>
+                      <a:round/>
+                      <a:headEnd type="none" w="med" len="med"/>
+                      <a:tailEnd type="none" w="med" len="med"/>
+                    </a:lnR>
+                    <a:lnT w="12700" cap="flat" cmpd="sng" algn="ctr">
+                      <a:solidFill>
+                        <a:schemeClr val="tx1"/>
+                      </a:solidFill>
+                      <a:prstDash val="solid"/>
+                      <a:round/>
+                      <a:headEnd type="none" w="med" len="med"/>
+                      <a:tailEnd type="none" w="med" len="med"/>
+                    </a:lnT>
+                    <a:lnB w="12700" cap="flat" cmpd="sng" algn="ctr">
+                      <a:solidFill>
+                        <a:schemeClr val="tx1"/>
+                      </a:solidFill>
+                      <a:prstDash val="solid"/>
+                      <a:round/>
+                      <a:headEnd type="none" w="med" len="med"/>
+                      <a:tailEnd type="none" w="med" len="med"/>
+                    </a:lnB>
+                  </a:tcPr>
+                </a:tc>
+                <a:extLst>
+                  <a:ext uri="{0D108BD9-81ED-4DB2-BD59-A6C34878D82A}">
+                    <a16:rowId xmlns:a16="http://schemas.microsoft.com/office/drawing/2014/main" val="2068313365"/>
+                  </a:ext>
+                </a:extLst>
+              </a:tr>
+              <a:tr h="370840">
+                <a:tc>
+                  <a:txBody>
+                    <a:bodyPr/>
+                    <a:lstStyle/>
+                    <a:p>
+                      <a:endParaRPr lang="zh-CN" altLang="en-US" dirty="0">
+                        <a:latin typeface="Times New Roman" panose="02020603050405020304" pitchFamily="18" charset="0"/>
+                        <a:cs typeface="Times New Roman" panose="02020603050405020304" pitchFamily="18" charset="0"/>
+                      </a:endParaRPr>
+                    </a:p>
+                  </a:txBody>
+                  <a:tcPr>
+                    <a:lnL w="12700" cap="flat" cmpd="sng" algn="ctr">
+                      <a:solidFill>
+                        <a:schemeClr val="tx1"/>
+                      </a:solidFill>
+                      <a:prstDash val="solid"/>
+                      <a:round/>
+                      <a:headEnd type="none" w="med" len="med"/>
+                      <a:tailEnd type="none" w="med" len="med"/>
+                    </a:lnL>
+                    <a:lnR w="12700" cap="flat" cmpd="sng" algn="ctr">
+                      <a:solidFill>
+                        <a:schemeClr val="tx1"/>
+                      </a:solidFill>
+                      <a:prstDash val="solid"/>
+                      <a:round/>
+                      <a:headEnd type="none" w="med" len="med"/>
+                      <a:tailEnd type="none" w="med" len="med"/>
+                    </a:lnR>
+                    <a:lnT w="12700" cap="flat" cmpd="sng" algn="ctr">
+                      <a:solidFill>
+                        <a:schemeClr val="tx1"/>
+                      </a:solidFill>
+                      <a:prstDash val="solid"/>
+                      <a:round/>
+                      <a:headEnd type="none" w="med" len="med"/>
+                      <a:tailEnd type="none" w="med" len="med"/>
+                    </a:lnT>
+                    <a:lnB w="12700" cap="flat" cmpd="sng" algn="ctr">
+                      <a:solidFill>
+                        <a:schemeClr val="tx1"/>
+                      </a:solidFill>
+                      <a:prstDash val="solid"/>
+                      <a:round/>
+                      <a:headEnd type="none" w="med" len="med"/>
+                      <a:tailEnd type="none" w="med" len="med"/>
+                    </a:lnB>
+                  </a:tcPr>
+                </a:tc>
+                <a:tc>
+                  <a:txBody>
+                    <a:bodyPr/>
+                    <a:lstStyle/>
+                    <a:p>
+                      <a:pPr marL="0" marR="0" lvl="0" indent="0" algn="l" defTabSz="914400" rtl="0" eaLnBrk="1" fontAlgn="auto" latinLnBrk="0" hangingPunct="1">
+                        <a:lnSpc>
+                          <a:spcPct val="100000"/>
+                        </a:lnSpc>
+                        <a:spcBef>
+                          <a:spcPts val="0"/>
+                        </a:spcBef>
+                        <a:spcAft>
+                          <a:spcPts val="0"/>
+                        </a:spcAft>
+                        <a:buClrTx/>
+                        <a:buSzTx/>
+                        <a:buFontTx/>
+                        <a:buNone/>
+                        <a:tabLst/>
+                        <a:defRPr/>
+                      </a:pPr>
+                      <a:endParaRPr lang="zh-CN" altLang="en-US" sz="1800" kern="100" dirty="0" smtClean="0">
+                        <a:effectLst/>
+                        <a:latin typeface="宋体" panose="02010600030101010101" pitchFamily="2" charset="-122"/>
+                        <a:ea typeface="宋体" panose="02010600030101010101" pitchFamily="2" charset="-122"/>
+                        <a:cs typeface="Times New Roman" panose="02020603050405020304" pitchFamily="18" charset="0"/>
+                      </a:endParaRPr>
+                    </a:p>
+                  </a:txBody>
+                  <a:tcPr>
+                    <a:lnL w="12700" cap="flat" cmpd="sng" algn="ctr">
+                      <a:solidFill>
+                        <a:schemeClr val="tx1"/>
+                      </a:solidFill>
+                      <a:prstDash val="solid"/>
+                      <a:round/>
+                      <a:headEnd type="none" w="med" len="med"/>
+                      <a:tailEnd type="none" w="med" len="med"/>
+                    </a:lnL>
+                    <a:lnR w="12700" cap="flat" cmpd="sng" algn="ctr">
+                      <a:solidFill>
+                        <a:schemeClr val="tx1"/>
+                      </a:solidFill>
+                      <a:prstDash val="solid"/>
+                      <a:round/>
+                      <a:headEnd type="none" w="med" len="med"/>
+                      <a:tailEnd type="none" w="med" len="med"/>
+                    </a:lnR>
+                    <a:lnT w="12700" cap="flat" cmpd="sng" algn="ctr">
+                      <a:solidFill>
+                        <a:schemeClr val="tx1"/>
+                      </a:solidFill>
+                      <a:prstDash val="solid"/>
+                      <a:round/>
+                      <a:headEnd type="none" w="med" len="med"/>
+                      <a:tailEnd type="none" w="med" len="med"/>
+                    </a:lnT>
+                    <a:lnB w="12700" cap="flat" cmpd="sng" algn="ctr">
+                      <a:solidFill>
+                        <a:schemeClr val="tx1"/>
+                      </a:solidFill>
+                      <a:prstDash val="solid"/>
+                      <a:round/>
+                      <a:headEnd type="none" w="med" len="med"/>
+                      <a:tailEnd type="none" w="med" len="med"/>
+                    </a:lnB>
+                  </a:tcPr>
+                </a:tc>
+                <a:extLst>
+                  <a:ext uri="{0D108BD9-81ED-4DB2-BD59-A6C34878D82A}">
                     <a16:rowId xmlns:a16="http://schemas.microsoft.com/office/drawing/2014/main" val="3387294198"/>
                   </a:ext>
                 </a:extLst>
@@ -6861,7 +9283,7 @@
     </p:spTree>
     <p:extLst>
       <p:ext uri="{BB962C8B-B14F-4D97-AF65-F5344CB8AC3E}">
-        <p14:creationId xmlns:p14="http://schemas.microsoft.com/office/powerpoint/2010/main" val="2189773799"/>
+        <p14:creationId xmlns:p14="http://schemas.microsoft.com/office/powerpoint/2010/main" val="2755456330"/>
       </p:ext>
     </p:extLst>
   </p:cSld>

--- a/组会记录.pptx
+++ b/组会记录.pptx
@@ -262,7 +262,7 @@
           <a:p>
             <a:fld id="{861149FB-4BF1-441C-8FB3-9540CC55BDE7}" type="datetimeFigureOut">
               <a:rPr lang="zh-CN" altLang="en-US" smtClean="0"/>
-              <a:t>2024/9/20</a:t>
+              <a:t>2024/10/25</a:t>
             </a:fld>
             <a:endParaRPr lang="zh-CN" altLang="en-US"/>
           </a:p>
@@ -462,7 +462,7 @@
           <a:p>
             <a:fld id="{861149FB-4BF1-441C-8FB3-9540CC55BDE7}" type="datetimeFigureOut">
               <a:rPr lang="zh-CN" altLang="en-US" smtClean="0"/>
-              <a:t>2024/9/20</a:t>
+              <a:t>2024/10/25</a:t>
             </a:fld>
             <a:endParaRPr lang="zh-CN" altLang="en-US"/>
           </a:p>
@@ -672,7 +672,7 @@
           <a:p>
             <a:fld id="{861149FB-4BF1-441C-8FB3-9540CC55BDE7}" type="datetimeFigureOut">
               <a:rPr lang="zh-CN" altLang="en-US" smtClean="0"/>
-              <a:t>2024/9/20</a:t>
+              <a:t>2024/10/25</a:t>
             </a:fld>
             <a:endParaRPr lang="zh-CN" altLang="en-US"/>
           </a:p>
@@ -872,7 +872,7 @@
           <a:p>
             <a:fld id="{861149FB-4BF1-441C-8FB3-9540CC55BDE7}" type="datetimeFigureOut">
               <a:rPr lang="zh-CN" altLang="en-US" smtClean="0"/>
-              <a:t>2024/9/20</a:t>
+              <a:t>2024/10/25</a:t>
             </a:fld>
             <a:endParaRPr lang="zh-CN" altLang="en-US"/>
           </a:p>
@@ -1148,7 +1148,7 @@
           <a:p>
             <a:fld id="{861149FB-4BF1-441C-8FB3-9540CC55BDE7}" type="datetimeFigureOut">
               <a:rPr lang="zh-CN" altLang="en-US" smtClean="0"/>
-              <a:t>2024/9/20</a:t>
+              <a:t>2024/10/25</a:t>
             </a:fld>
             <a:endParaRPr lang="zh-CN" altLang="en-US"/>
           </a:p>
@@ -1416,7 +1416,7 @@
           <a:p>
             <a:fld id="{861149FB-4BF1-441C-8FB3-9540CC55BDE7}" type="datetimeFigureOut">
               <a:rPr lang="zh-CN" altLang="en-US" smtClean="0"/>
-              <a:t>2024/9/20</a:t>
+              <a:t>2024/10/25</a:t>
             </a:fld>
             <a:endParaRPr lang="zh-CN" altLang="en-US"/>
           </a:p>
@@ -1831,7 +1831,7 @@
           <a:p>
             <a:fld id="{861149FB-4BF1-441C-8FB3-9540CC55BDE7}" type="datetimeFigureOut">
               <a:rPr lang="zh-CN" altLang="en-US" smtClean="0"/>
-              <a:t>2024/9/20</a:t>
+              <a:t>2024/10/25</a:t>
             </a:fld>
             <a:endParaRPr lang="zh-CN" altLang="en-US"/>
           </a:p>
@@ -1973,7 +1973,7 @@
           <a:p>
             <a:fld id="{861149FB-4BF1-441C-8FB3-9540CC55BDE7}" type="datetimeFigureOut">
               <a:rPr lang="zh-CN" altLang="en-US" smtClean="0"/>
-              <a:t>2024/9/20</a:t>
+              <a:t>2024/10/25</a:t>
             </a:fld>
             <a:endParaRPr lang="zh-CN" altLang="en-US"/>
           </a:p>
@@ -2086,7 +2086,7 @@
           <a:p>
             <a:fld id="{861149FB-4BF1-441C-8FB3-9540CC55BDE7}" type="datetimeFigureOut">
               <a:rPr lang="zh-CN" altLang="en-US" smtClean="0"/>
-              <a:t>2024/9/20</a:t>
+              <a:t>2024/10/25</a:t>
             </a:fld>
             <a:endParaRPr lang="zh-CN" altLang="en-US"/>
           </a:p>
@@ -2399,7 +2399,7 @@
           <a:p>
             <a:fld id="{861149FB-4BF1-441C-8FB3-9540CC55BDE7}" type="datetimeFigureOut">
               <a:rPr lang="zh-CN" altLang="en-US" smtClean="0"/>
-              <a:t>2024/9/20</a:t>
+              <a:t>2024/10/25</a:t>
             </a:fld>
             <a:endParaRPr lang="zh-CN" altLang="en-US"/>
           </a:p>
@@ -2688,7 +2688,7 @@
           <a:p>
             <a:fld id="{861149FB-4BF1-441C-8FB3-9540CC55BDE7}" type="datetimeFigureOut">
               <a:rPr lang="zh-CN" altLang="en-US" smtClean="0"/>
-              <a:t>2024/9/20</a:t>
+              <a:t>2024/10/25</a:t>
             </a:fld>
             <a:endParaRPr lang="zh-CN" altLang="en-US"/>
           </a:p>
@@ -2931,7 +2931,7 @@
           <a:p>
             <a:fld id="{861149FB-4BF1-441C-8FB3-9540CC55BDE7}" type="datetimeFigureOut">
               <a:rPr lang="zh-CN" altLang="en-US" smtClean="0"/>
-              <a:t>2024/9/20</a:t>
+              <a:t>2024/10/25</a:t>
             </a:fld>
             <a:endParaRPr lang="zh-CN" altLang="en-US"/>
           </a:p>
@@ -6970,7 +6970,7 @@
           <p:nvPr>
             <p:extLst>
               <p:ext uri="{D42A27DB-BD31-4B8C-83A1-F6EECF244321}">
-                <p14:modId xmlns:p14="http://schemas.microsoft.com/office/powerpoint/2010/main" val="1693616033"/>
+                <p14:modId xmlns:p14="http://schemas.microsoft.com/office/powerpoint/2010/main" val="3418767520"/>
               </p:ext>
             </p:extLst>
           </p:nvPr>
@@ -7248,7 +7248,14 @@
                         <a:tabLst/>
                         <a:defRPr/>
                       </a:pPr>
-                      <a:endParaRPr lang="zh-CN" altLang="en-US" sz="1800" dirty="0">
+                      <a:r>
+                        <a:rPr lang="en-US" altLang="zh-CN" sz="1800" dirty="0" smtClean="0">
+                          <a:latin typeface="Times New Roman" panose="02020603050405020304" pitchFamily="18" charset="0"/>
+                          <a:cs typeface="Times New Roman" panose="02020603050405020304" pitchFamily="18" charset="0"/>
+                        </a:rPr>
+                        <a:t>2024/10/11</a:t>
+                      </a:r>
+                      <a:endParaRPr lang="zh-CN" altLang="en-US" sz="1800" dirty="0" smtClean="0">
                         <a:latin typeface="Times New Roman" panose="02020603050405020304" pitchFamily="18" charset="0"/>
                         <a:cs typeface="Times New Roman" panose="02020603050405020304" pitchFamily="18" charset="0"/>
                       </a:endParaRPr>
@@ -7298,13 +7305,85 @@
                     <a:bodyPr/>
                     <a:lstStyle/>
                     <a:p>
-                      <a:pPr algn="just"/>
-                      <a:endParaRPr lang="zh-CN" altLang="en-US" sz="1800" kern="100" dirty="0">
-                        <a:effectLst/>
-                        <a:latin typeface="宋体" panose="02010600030101010101" pitchFamily="2" charset="-122"/>
-                        <a:ea typeface="宋体" panose="02010600030101010101" pitchFamily="2" charset="-122"/>
-                        <a:cs typeface="Times New Roman" panose="02020603050405020304" pitchFamily="18" charset="0"/>
-                      </a:endParaRPr>
+                      <a:pPr marL="0" marR="0" lvl="0" indent="0" algn="just" defTabSz="914400" rtl="0" eaLnBrk="1" fontAlgn="auto" latinLnBrk="0" hangingPunct="1">
+                        <a:lnSpc>
+                          <a:spcPct val="100000"/>
+                        </a:lnSpc>
+                        <a:spcBef>
+                          <a:spcPts val="0"/>
+                        </a:spcBef>
+                        <a:spcAft>
+                          <a:spcPts val="0"/>
+                        </a:spcAft>
+                        <a:buClrTx/>
+                        <a:buSzTx/>
+                        <a:buFontTx/>
+                        <a:buNone/>
+                        <a:tabLst/>
+                        <a:defRPr/>
+                      </a:pPr>
+                      <a:r>
+                        <a:rPr lang="zh-CN" altLang="en-US" sz="1800" kern="100" dirty="0" smtClean="0">
+                          <a:effectLst/>
+                          <a:latin typeface="宋体" panose="02010600030101010101" pitchFamily="2" charset="-122"/>
+                          <a:ea typeface="宋体" panose="02010600030101010101" pitchFamily="2" charset="-122"/>
+                          <a:cs typeface="Times New Roman" panose="02020603050405020304" pitchFamily="18" charset="0"/>
+                        </a:rPr>
+                        <a:t>袁红刚</a:t>
+                      </a:r>
+                      <a:r>
+                        <a:rPr lang="en-US" altLang="zh-CN" sz="1800" kern="100" dirty="0" smtClean="0">
+                          <a:effectLst/>
+                          <a:latin typeface="宋体" panose="02010600030101010101" pitchFamily="2" charset="-122"/>
+                          <a:ea typeface="宋体" panose="02010600030101010101" pitchFamily="2" charset="-122"/>
+                          <a:cs typeface="Times New Roman" panose="02020603050405020304" pitchFamily="18" charset="0"/>
+                        </a:rPr>
+                        <a:t>,</a:t>
+                      </a:r>
+                      <a:r>
+                        <a:rPr lang="zh-CN" altLang="en-US" sz="1800" kern="100" dirty="0" smtClean="0">
+                          <a:effectLst/>
+                          <a:latin typeface="宋体" panose="02010600030101010101" pitchFamily="2" charset="-122"/>
+                          <a:ea typeface="宋体" panose="02010600030101010101" pitchFamily="2" charset="-122"/>
+                          <a:cs typeface="Times New Roman" panose="02020603050405020304" pitchFamily="18" charset="0"/>
+                        </a:rPr>
+                        <a:t>陈柳昂</a:t>
+                      </a:r>
+                      <a:r>
+                        <a:rPr lang="en-US" altLang="zh-CN" sz="1800" kern="100" dirty="0" smtClean="0">
+                          <a:effectLst/>
+                          <a:latin typeface="宋体" panose="02010600030101010101" pitchFamily="2" charset="-122"/>
+                          <a:ea typeface="宋体" panose="02010600030101010101" pitchFamily="2" charset="-122"/>
+                          <a:cs typeface="Times New Roman" panose="02020603050405020304" pitchFamily="18" charset="0"/>
+                        </a:rPr>
+                        <a:t>,</a:t>
+                      </a:r>
+                      <a:r>
+                        <a:rPr lang="zh-CN" altLang="en-US" sz="1800" kern="100" dirty="0" smtClean="0">
+                          <a:effectLst/>
+                          <a:latin typeface="宋体" panose="02010600030101010101" pitchFamily="2" charset="-122"/>
+                          <a:ea typeface="宋体" panose="02010600030101010101" pitchFamily="2" charset="-122"/>
+                          <a:cs typeface="Times New Roman" panose="02020603050405020304" pitchFamily="18" charset="0"/>
+                        </a:rPr>
+                        <a:t>陈韶昱</a:t>
+                      </a:r>
+                      <a:r>
+                        <a:rPr lang="en-US" altLang="zh-CN" kern="100" dirty="0" smtClean="0">
+                          <a:latin typeface="宋体" panose="02010600030101010101" pitchFamily="2" charset="-122"/>
+                          <a:ea typeface="宋体" panose="02010600030101010101" pitchFamily="2" charset="-122"/>
+                          <a:cs typeface="Times New Roman" panose="02020603050405020304" pitchFamily="18" charset="0"/>
+                        </a:rPr>
+                        <a:t>,</a:t>
+                      </a:r>
+                      <a:r>
+                        <a:rPr lang="zh-CN" altLang="en-US" sz="1800" kern="100" dirty="0" smtClean="0">
+                          <a:effectLst/>
+                          <a:latin typeface="宋体" panose="02010600030101010101" pitchFamily="2" charset="-122"/>
+                          <a:ea typeface="宋体" panose="02010600030101010101" pitchFamily="2" charset="-122"/>
+                          <a:cs typeface="Times New Roman" panose="02020603050405020304" pitchFamily="18" charset="0"/>
+                        </a:rPr>
+                        <a:t>殷宇龙，程钰洋，丁林军，鲍召召</a:t>
+                      </a:r>
                     </a:p>
                   </a:txBody>
                   <a:tcPr>
@@ -7375,7 +7454,14 @@
                         <a:tabLst/>
                         <a:defRPr/>
                       </a:pPr>
-                      <a:endParaRPr lang="zh-CN" altLang="en-US" sz="1800" dirty="0">
+                      <a:r>
+                        <a:rPr lang="en-US" altLang="zh-CN" sz="1800" dirty="0" smtClean="0">
+                          <a:latin typeface="Times New Roman" panose="02020603050405020304" pitchFamily="18" charset="0"/>
+                          <a:cs typeface="Times New Roman" panose="02020603050405020304" pitchFamily="18" charset="0"/>
+                        </a:rPr>
+                        <a:t>2024/10/18</a:t>
+                      </a:r>
+                      <a:endParaRPr lang="zh-CN" altLang="en-US" sz="1800" dirty="0" smtClean="0">
                         <a:latin typeface="Times New Roman" panose="02020603050405020304" pitchFamily="18" charset="0"/>
                         <a:cs typeface="Times New Roman" panose="02020603050405020304" pitchFamily="18" charset="0"/>
                       </a:endParaRPr>
@@ -7442,7 +7528,132 @@
                         <a:tabLst/>
                         <a:defRPr/>
                       </a:pPr>
-                      <a:endParaRPr lang="zh-CN" altLang="en-US" sz="1800" kern="100" dirty="0">
+                      <a:r>
+                        <a:rPr lang="zh-CN" altLang="en-US" sz="1800" kern="100" dirty="0" smtClean="0">
+                          <a:effectLst/>
+                          <a:latin typeface="宋体" panose="02010600030101010101" pitchFamily="2" charset="-122"/>
+                          <a:ea typeface="宋体" panose="02010600030101010101" pitchFamily="2" charset="-122"/>
+                          <a:cs typeface="Times New Roman" panose="02020603050405020304" pitchFamily="18" charset="0"/>
+                        </a:rPr>
+                        <a:t>袁红刚</a:t>
+                      </a:r>
+                      <a:r>
+                        <a:rPr lang="en-US" altLang="zh-CN" sz="1800" kern="100" dirty="0" smtClean="0">
+                          <a:effectLst/>
+                          <a:latin typeface="宋体" panose="02010600030101010101" pitchFamily="2" charset="-122"/>
+                          <a:ea typeface="宋体" panose="02010600030101010101" pitchFamily="2" charset="-122"/>
+                          <a:cs typeface="Times New Roman" panose="02020603050405020304" pitchFamily="18" charset="0"/>
+                        </a:rPr>
+                        <a:t>,</a:t>
+                      </a:r>
+                      <a:r>
+                        <a:rPr lang="zh-CN" altLang="en-US" sz="1800" kern="100" dirty="0" smtClean="0">
+                          <a:effectLst/>
+                          <a:latin typeface="宋体" panose="02010600030101010101" pitchFamily="2" charset="-122"/>
+                          <a:ea typeface="宋体" panose="02010600030101010101" pitchFamily="2" charset="-122"/>
+                          <a:cs typeface="Times New Roman" panose="02020603050405020304" pitchFamily="18" charset="0"/>
+                        </a:rPr>
+                        <a:t>陈熙</a:t>
+                      </a:r>
+                      <a:r>
+                        <a:rPr lang="en-US" altLang="zh-CN" sz="1800" kern="100" dirty="0" smtClean="0">
+                          <a:effectLst/>
+                          <a:latin typeface="宋体" panose="02010600030101010101" pitchFamily="2" charset="-122"/>
+                          <a:ea typeface="宋体" panose="02010600030101010101" pitchFamily="2" charset="-122"/>
+                          <a:cs typeface="Times New Roman" panose="02020603050405020304" pitchFamily="18" charset="0"/>
+                        </a:rPr>
+                        <a:t>,</a:t>
+                      </a:r>
+                      <a:r>
+                        <a:rPr lang="zh-CN" altLang="en-US" sz="1800" kern="100" dirty="0" smtClean="0">
+                          <a:effectLst/>
+                          <a:latin typeface="宋体" panose="02010600030101010101" pitchFamily="2" charset="-122"/>
+                          <a:ea typeface="宋体" panose="02010600030101010101" pitchFamily="2" charset="-122"/>
+                          <a:cs typeface="Times New Roman" panose="02020603050405020304" pitchFamily="18" charset="0"/>
+                        </a:rPr>
+                        <a:t>陈柳昂</a:t>
+                      </a:r>
+                      <a:r>
+                        <a:rPr lang="en-US" altLang="zh-CN" sz="1800" kern="100" dirty="0" smtClean="0">
+                          <a:effectLst/>
+                          <a:latin typeface="宋体" panose="02010600030101010101" pitchFamily="2" charset="-122"/>
+                          <a:ea typeface="宋体" panose="02010600030101010101" pitchFamily="2" charset="-122"/>
+                          <a:cs typeface="Times New Roman" panose="02020603050405020304" pitchFamily="18" charset="0"/>
+                        </a:rPr>
+                        <a:t>,</a:t>
+                      </a:r>
+                      <a:r>
+                        <a:rPr lang="zh-CN" altLang="en-US" sz="1800" kern="100" dirty="0" smtClean="0">
+                          <a:effectLst/>
+                          <a:latin typeface="宋体" panose="02010600030101010101" pitchFamily="2" charset="-122"/>
+                          <a:ea typeface="宋体" panose="02010600030101010101" pitchFamily="2" charset="-122"/>
+                          <a:cs typeface="Times New Roman" panose="02020603050405020304" pitchFamily="18" charset="0"/>
+                        </a:rPr>
+                        <a:t>陈韶昱</a:t>
+                      </a:r>
+                      <a:r>
+                        <a:rPr lang="en-US" altLang="zh-CN" kern="100" dirty="0" smtClean="0">
+                          <a:latin typeface="宋体" panose="02010600030101010101" pitchFamily="2" charset="-122"/>
+                          <a:ea typeface="宋体" panose="02010600030101010101" pitchFamily="2" charset="-122"/>
+                          <a:cs typeface="Times New Roman" panose="02020603050405020304" pitchFamily="18" charset="0"/>
+                        </a:rPr>
+                        <a:t>,</a:t>
+                      </a:r>
+                      <a:r>
+                        <a:rPr lang="zh-CN" altLang="en-US" sz="1800" kern="100" dirty="0" smtClean="0">
+                          <a:effectLst/>
+                          <a:latin typeface="宋体" panose="02010600030101010101" pitchFamily="2" charset="-122"/>
+                          <a:ea typeface="宋体" panose="02010600030101010101" pitchFamily="2" charset="-122"/>
+                          <a:cs typeface="Times New Roman" panose="02020603050405020304" pitchFamily="18" charset="0"/>
+                        </a:rPr>
+                        <a:t>殷宇龙</a:t>
+                      </a:r>
+                      <a:r>
+                        <a:rPr lang="en-US" altLang="zh-CN" sz="1800" kern="100" dirty="0" smtClean="0">
+                          <a:effectLst/>
+                          <a:latin typeface="宋体" panose="02010600030101010101" pitchFamily="2" charset="-122"/>
+                          <a:ea typeface="宋体" panose="02010600030101010101" pitchFamily="2" charset="-122"/>
+                          <a:cs typeface="Times New Roman" panose="02020603050405020304" pitchFamily="18" charset="0"/>
+                        </a:rPr>
+                        <a:t>,</a:t>
+                      </a:r>
+                      <a:r>
+                        <a:rPr lang="zh-CN" altLang="en-US" sz="1800" kern="100" dirty="0" smtClean="0">
+                          <a:effectLst/>
+                          <a:latin typeface="宋体" panose="02010600030101010101" pitchFamily="2" charset="-122"/>
+                          <a:ea typeface="宋体" panose="02010600030101010101" pitchFamily="2" charset="-122"/>
+                          <a:cs typeface="Times New Roman" panose="02020603050405020304" pitchFamily="18" charset="0"/>
+                        </a:rPr>
+                        <a:t>程钰洋</a:t>
+                      </a:r>
+                      <a:r>
+                        <a:rPr lang="en-US" altLang="zh-CN" sz="1800" kern="100" dirty="0" smtClean="0">
+                          <a:effectLst/>
+                          <a:latin typeface="宋体" panose="02010600030101010101" pitchFamily="2" charset="-122"/>
+                          <a:ea typeface="宋体" panose="02010600030101010101" pitchFamily="2" charset="-122"/>
+                          <a:cs typeface="Times New Roman" panose="02020603050405020304" pitchFamily="18" charset="0"/>
+                        </a:rPr>
+                        <a:t>,</a:t>
+                      </a:r>
+                      <a:r>
+                        <a:rPr lang="zh-CN" altLang="en-US" sz="1800" kern="100" dirty="0" smtClean="0">
+                          <a:effectLst/>
+                          <a:latin typeface="宋体" panose="02010600030101010101" pitchFamily="2" charset="-122"/>
+                          <a:ea typeface="宋体" panose="02010600030101010101" pitchFamily="2" charset="-122"/>
+                          <a:cs typeface="Times New Roman" panose="02020603050405020304" pitchFamily="18" charset="0"/>
+                        </a:rPr>
+                        <a:t>丁林军</a:t>
+                      </a:r>
+                      <a:r>
+                        <a:rPr lang="en-US" altLang="zh-CN" sz="1800" kern="100" dirty="0" smtClean="0">
+                          <a:effectLst/>
+                          <a:latin typeface="宋体" panose="02010600030101010101" pitchFamily="2" charset="-122"/>
+                          <a:ea typeface="宋体" panose="02010600030101010101" pitchFamily="2" charset="-122"/>
+                          <a:cs typeface="Times New Roman" panose="02020603050405020304" pitchFamily="18" charset="0"/>
+                        </a:rPr>
+                        <a:t>,</a:t>
+                      </a:r>
+                      <a:endParaRPr lang="zh-CN" altLang="en-US" sz="1800" kern="100" dirty="0" smtClean="0">
                         <a:effectLst/>
                         <a:latin typeface="宋体" panose="02010600030101010101" pitchFamily="2" charset="-122"/>
                         <a:ea typeface="宋体" panose="02010600030101010101" pitchFamily="2" charset="-122"/>
@@ -7501,7 +7712,31 @@
                     <a:bodyPr/>
                     <a:lstStyle/>
                     <a:p>
-                      <a:endParaRPr lang="zh-CN" altLang="en-US" dirty="0">
+                      <a:pPr marL="0" marR="0" lvl="0" indent="0" algn="l" defTabSz="914400" rtl="0" eaLnBrk="1" fontAlgn="auto" latinLnBrk="0" hangingPunct="1">
+                        <a:lnSpc>
+                          <a:spcPct val="100000"/>
+                        </a:lnSpc>
+                        <a:spcBef>
+                          <a:spcPts val="0"/>
+                        </a:spcBef>
+                        <a:spcAft>
+                          <a:spcPts val="0"/>
+                        </a:spcAft>
+                        <a:buClrTx/>
+                        <a:buSzTx/>
+                        <a:buFontTx/>
+                        <a:buNone/>
+                        <a:tabLst/>
+                        <a:defRPr/>
+                      </a:pPr>
+                      <a:r>
+                        <a:rPr lang="en-US" altLang="zh-CN" sz="1800" dirty="0" smtClean="0">
+                          <a:latin typeface="Times New Roman" panose="02020603050405020304" pitchFamily="18" charset="0"/>
+                          <a:cs typeface="Times New Roman" panose="02020603050405020304" pitchFamily="18" charset="0"/>
+                        </a:rPr>
+                        <a:t>2024/10/25</a:t>
+                      </a:r>
+                      <a:endParaRPr lang="zh-CN" altLang="en-US" sz="1800" dirty="0" smtClean="0">
                         <a:latin typeface="Times New Roman" panose="02020603050405020304" pitchFamily="18" charset="0"/>
                         <a:cs typeface="Times New Roman" panose="02020603050405020304" pitchFamily="18" charset="0"/>
                       </a:endParaRPr>
@@ -7568,6 +7803,104 @@
                         <a:tabLst/>
                         <a:defRPr/>
                       </a:pPr>
+                      <a:r>
+                        <a:rPr lang="zh-CN" altLang="en-US" sz="1800" kern="100" dirty="0" smtClean="0">
+                          <a:effectLst/>
+                          <a:latin typeface="宋体" panose="02010600030101010101" pitchFamily="2" charset="-122"/>
+                          <a:ea typeface="宋体" panose="02010600030101010101" pitchFamily="2" charset="-122"/>
+                          <a:cs typeface="Times New Roman" panose="02020603050405020304" pitchFamily="18" charset="0"/>
+                        </a:rPr>
+                        <a:t>袁红刚</a:t>
+                      </a:r>
+                      <a:r>
+                        <a:rPr lang="en-US" altLang="zh-CN" sz="1800" kern="100" dirty="0" smtClean="0">
+                          <a:effectLst/>
+                          <a:latin typeface="宋体" panose="02010600030101010101" pitchFamily="2" charset="-122"/>
+                          <a:ea typeface="宋体" panose="02010600030101010101" pitchFamily="2" charset="-122"/>
+                          <a:cs typeface="Times New Roman" panose="02020603050405020304" pitchFamily="18" charset="0"/>
+                        </a:rPr>
+                        <a:t>,</a:t>
+                      </a:r>
+                      <a:r>
+                        <a:rPr lang="zh-CN" altLang="en-US" sz="1800" kern="100" dirty="0" smtClean="0">
+                          <a:effectLst/>
+                          <a:latin typeface="宋体" panose="02010600030101010101" pitchFamily="2" charset="-122"/>
+                          <a:ea typeface="宋体" panose="02010600030101010101" pitchFamily="2" charset="-122"/>
+                          <a:cs typeface="Times New Roman" panose="02020603050405020304" pitchFamily="18" charset="0"/>
+                        </a:rPr>
+                        <a:t>陈熙</a:t>
+                      </a:r>
+                      <a:r>
+                        <a:rPr lang="en-US" altLang="zh-CN" sz="1800" kern="100" dirty="0" smtClean="0">
+                          <a:effectLst/>
+                          <a:latin typeface="宋体" panose="02010600030101010101" pitchFamily="2" charset="-122"/>
+                          <a:ea typeface="宋体" panose="02010600030101010101" pitchFamily="2" charset="-122"/>
+                          <a:cs typeface="Times New Roman" panose="02020603050405020304" pitchFamily="18" charset="0"/>
+                        </a:rPr>
+                        <a:t>,</a:t>
+                      </a:r>
+                      <a:r>
+                        <a:rPr lang="zh-CN" altLang="en-US" sz="1800" kern="100" dirty="0" smtClean="0">
+                          <a:effectLst/>
+                          <a:latin typeface="宋体" panose="02010600030101010101" pitchFamily="2" charset="-122"/>
+                          <a:ea typeface="宋体" panose="02010600030101010101" pitchFamily="2" charset="-122"/>
+                          <a:cs typeface="Times New Roman" panose="02020603050405020304" pitchFamily="18" charset="0"/>
+                        </a:rPr>
+                        <a:t>陈柳昂</a:t>
+                      </a:r>
+                      <a:r>
+                        <a:rPr lang="en-US" altLang="zh-CN" sz="1800" kern="100" dirty="0" smtClean="0">
+                          <a:effectLst/>
+                          <a:latin typeface="宋体" panose="02010600030101010101" pitchFamily="2" charset="-122"/>
+                          <a:ea typeface="宋体" panose="02010600030101010101" pitchFamily="2" charset="-122"/>
+                          <a:cs typeface="Times New Roman" panose="02020603050405020304" pitchFamily="18" charset="0"/>
+                        </a:rPr>
+                        <a:t>,</a:t>
+                      </a:r>
+                      <a:r>
+                        <a:rPr lang="zh-CN" altLang="en-US" sz="1800" kern="100" dirty="0" smtClean="0">
+                          <a:effectLst/>
+                          <a:latin typeface="宋体" panose="02010600030101010101" pitchFamily="2" charset="-122"/>
+                          <a:ea typeface="宋体" panose="02010600030101010101" pitchFamily="2" charset="-122"/>
+                          <a:cs typeface="Times New Roman" panose="02020603050405020304" pitchFamily="18" charset="0"/>
+                        </a:rPr>
+                        <a:t>陈韶昱</a:t>
+                      </a:r>
+                      <a:r>
+                        <a:rPr lang="en-US" altLang="zh-CN" kern="100" dirty="0" smtClean="0">
+                          <a:latin typeface="宋体" panose="02010600030101010101" pitchFamily="2" charset="-122"/>
+                          <a:ea typeface="宋体" panose="02010600030101010101" pitchFamily="2" charset="-122"/>
+                          <a:cs typeface="Times New Roman" panose="02020603050405020304" pitchFamily="18" charset="0"/>
+                        </a:rPr>
+                        <a:t>,</a:t>
+                      </a:r>
+                      <a:r>
+                        <a:rPr lang="zh-CN" altLang="en-US" sz="1800" kern="100" dirty="0" smtClean="0">
+                          <a:effectLst/>
+                          <a:latin typeface="宋体" panose="02010600030101010101" pitchFamily="2" charset="-122"/>
+                          <a:ea typeface="宋体" panose="02010600030101010101" pitchFamily="2" charset="-122"/>
+                          <a:cs typeface="Times New Roman" panose="02020603050405020304" pitchFamily="18" charset="0"/>
+                        </a:rPr>
+                        <a:t>殷宇龙</a:t>
+                      </a:r>
+                      <a:r>
+                        <a:rPr lang="en-US" altLang="zh-CN" sz="1800" kern="100" dirty="0" smtClean="0">
+                          <a:effectLst/>
+                          <a:latin typeface="宋体" panose="02010600030101010101" pitchFamily="2" charset="-122"/>
+                          <a:ea typeface="宋体" panose="02010600030101010101" pitchFamily="2" charset="-122"/>
+                          <a:cs typeface="Times New Roman" panose="02020603050405020304" pitchFamily="18" charset="0"/>
+                        </a:rPr>
+                        <a:t>,</a:t>
+                      </a:r>
+                      <a:r>
+                        <a:rPr lang="zh-CN" altLang="en-US" sz="1800" kern="100" dirty="0" smtClean="0">
+                          <a:effectLst/>
+                          <a:latin typeface="宋体" panose="02010600030101010101" pitchFamily="2" charset="-122"/>
+                          <a:ea typeface="宋体" panose="02010600030101010101" pitchFamily="2" charset="-122"/>
+                          <a:cs typeface="Times New Roman" panose="02020603050405020304" pitchFamily="18" charset="0"/>
+                        </a:rPr>
+                        <a:t>程钰洋</a:t>
+                      </a:r>
                       <a:endParaRPr lang="zh-CN" altLang="en-US" sz="1800" kern="100" dirty="0">
                         <a:effectLst/>
                         <a:latin typeface="宋体" panose="02010600030101010101" pitchFamily="2" charset="-122"/>

--- a/组会记录.pptx
+++ b/组会记录.pptx
@@ -262,7 +262,7 @@
           <a:p>
             <a:fld id="{861149FB-4BF1-441C-8FB3-9540CC55BDE7}" type="datetimeFigureOut">
               <a:rPr lang="zh-CN" altLang="en-US" smtClean="0"/>
-              <a:t>2024/10/25</a:t>
+              <a:t>2024/11/9</a:t>
             </a:fld>
             <a:endParaRPr lang="zh-CN" altLang="en-US"/>
           </a:p>
@@ -462,7 +462,7 @@
           <a:p>
             <a:fld id="{861149FB-4BF1-441C-8FB3-9540CC55BDE7}" type="datetimeFigureOut">
               <a:rPr lang="zh-CN" altLang="en-US" smtClean="0"/>
-              <a:t>2024/10/25</a:t>
+              <a:t>2024/11/9</a:t>
             </a:fld>
             <a:endParaRPr lang="zh-CN" altLang="en-US"/>
           </a:p>
@@ -672,7 +672,7 @@
           <a:p>
             <a:fld id="{861149FB-4BF1-441C-8FB3-9540CC55BDE7}" type="datetimeFigureOut">
               <a:rPr lang="zh-CN" altLang="en-US" smtClean="0"/>
-              <a:t>2024/10/25</a:t>
+              <a:t>2024/11/9</a:t>
             </a:fld>
             <a:endParaRPr lang="zh-CN" altLang="en-US"/>
           </a:p>
@@ -872,7 +872,7 @@
           <a:p>
             <a:fld id="{861149FB-4BF1-441C-8FB3-9540CC55BDE7}" type="datetimeFigureOut">
               <a:rPr lang="zh-CN" altLang="en-US" smtClean="0"/>
-              <a:t>2024/10/25</a:t>
+              <a:t>2024/11/9</a:t>
             </a:fld>
             <a:endParaRPr lang="zh-CN" altLang="en-US"/>
           </a:p>
@@ -1148,7 +1148,7 @@
           <a:p>
             <a:fld id="{861149FB-4BF1-441C-8FB3-9540CC55BDE7}" type="datetimeFigureOut">
               <a:rPr lang="zh-CN" altLang="en-US" smtClean="0"/>
-              <a:t>2024/10/25</a:t>
+              <a:t>2024/11/9</a:t>
             </a:fld>
             <a:endParaRPr lang="zh-CN" altLang="en-US"/>
           </a:p>
@@ -1416,7 +1416,7 @@
           <a:p>
             <a:fld id="{861149FB-4BF1-441C-8FB3-9540CC55BDE7}" type="datetimeFigureOut">
               <a:rPr lang="zh-CN" altLang="en-US" smtClean="0"/>
-              <a:t>2024/10/25</a:t>
+              <a:t>2024/11/9</a:t>
             </a:fld>
             <a:endParaRPr lang="zh-CN" altLang="en-US"/>
           </a:p>
@@ -1831,7 +1831,7 @@
           <a:p>
             <a:fld id="{861149FB-4BF1-441C-8FB3-9540CC55BDE7}" type="datetimeFigureOut">
               <a:rPr lang="zh-CN" altLang="en-US" smtClean="0"/>
-              <a:t>2024/10/25</a:t>
+              <a:t>2024/11/9</a:t>
             </a:fld>
             <a:endParaRPr lang="zh-CN" altLang="en-US"/>
           </a:p>
@@ -1973,7 +1973,7 @@
           <a:p>
             <a:fld id="{861149FB-4BF1-441C-8FB3-9540CC55BDE7}" type="datetimeFigureOut">
               <a:rPr lang="zh-CN" altLang="en-US" smtClean="0"/>
-              <a:t>2024/10/25</a:t>
+              <a:t>2024/11/9</a:t>
             </a:fld>
             <a:endParaRPr lang="zh-CN" altLang="en-US"/>
           </a:p>
@@ -2086,7 +2086,7 @@
           <a:p>
             <a:fld id="{861149FB-4BF1-441C-8FB3-9540CC55BDE7}" type="datetimeFigureOut">
               <a:rPr lang="zh-CN" altLang="en-US" smtClean="0"/>
-              <a:t>2024/10/25</a:t>
+              <a:t>2024/11/9</a:t>
             </a:fld>
             <a:endParaRPr lang="zh-CN" altLang="en-US"/>
           </a:p>
@@ -2399,7 +2399,7 @@
           <a:p>
             <a:fld id="{861149FB-4BF1-441C-8FB3-9540CC55BDE7}" type="datetimeFigureOut">
               <a:rPr lang="zh-CN" altLang="en-US" smtClean="0"/>
-              <a:t>2024/10/25</a:t>
+              <a:t>2024/11/9</a:t>
             </a:fld>
             <a:endParaRPr lang="zh-CN" altLang="en-US"/>
           </a:p>
@@ -2688,7 +2688,7 @@
           <a:p>
             <a:fld id="{861149FB-4BF1-441C-8FB3-9540CC55BDE7}" type="datetimeFigureOut">
               <a:rPr lang="zh-CN" altLang="en-US" smtClean="0"/>
-              <a:t>2024/10/25</a:t>
+              <a:t>2024/11/9</a:t>
             </a:fld>
             <a:endParaRPr lang="zh-CN" altLang="en-US"/>
           </a:p>
@@ -2931,7 +2931,7 @@
           <a:p>
             <a:fld id="{861149FB-4BF1-441C-8FB3-9540CC55BDE7}" type="datetimeFigureOut">
               <a:rPr lang="zh-CN" altLang="en-US" smtClean="0"/>
-              <a:t>2024/10/25</a:t>
+              <a:t>2024/11/9</a:t>
             </a:fld>
             <a:endParaRPr lang="zh-CN" altLang="en-US"/>
           </a:p>
@@ -6970,7 +6970,7 @@
           <p:nvPr>
             <p:extLst>
               <p:ext uri="{D42A27DB-BD31-4B8C-83A1-F6EECF244321}">
-                <p14:modId xmlns:p14="http://schemas.microsoft.com/office/powerpoint/2010/main" val="3418767520"/>
+                <p14:modId xmlns:p14="http://schemas.microsoft.com/office/powerpoint/2010/main" val="2946950772"/>
               </p:ext>
             </p:extLst>
           </p:nvPr>
@@ -7960,6 +7960,13 @@
                     <a:bodyPr/>
                     <a:lstStyle/>
                     <a:p>
+                      <a:r>
+                        <a:rPr lang="en-US" altLang="zh-CN" dirty="0" smtClean="0">
+                          <a:latin typeface="Times New Roman" panose="02020603050405020304" pitchFamily="18" charset="0"/>
+                          <a:cs typeface="Times New Roman" panose="02020603050405020304" pitchFamily="18" charset="0"/>
+                        </a:rPr>
+                        <a:t>2024/11/09</a:t>
+                      </a:r>
                       <a:endParaRPr lang="zh-CN" altLang="en-US" dirty="0">
                         <a:latin typeface="Times New Roman" panose="02020603050405020304" pitchFamily="18" charset="0"/>
                         <a:cs typeface="Times New Roman" panose="02020603050405020304" pitchFamily="18" charset="0"/>
@@ -8027,12 +8034,104 @@
                         <a:tabLst/>
                         <a:defRPr/>
                       </a:pPr>
-                      <a:endParaRPr lang="zh-CN" altLang="en-US" sz="1800" kern="100" dirty="0">
-                        <a:effectLst/>
-                        <a:latin typeface="宋体" panose="02010600030101010101" pitchFamily="2" charset="-122"/>
-                        <a:ea typeface="宋体" panose="02010600030101010101" pitchFamily="2" charset="-122"/>
-                        <a:cs typeface="Times New Roman" panose="02020603050405020304" pitchFamily="18" charset="0"/>
-                      </a:endParaRPr>
+                      <a:r>
+                        <a:rPr lang="zh-CN" altLang="en-US" sz="1800" kern="100" dirty="0" smtClean="0">
+                          <a:effectLst/>
+                          <a:latin typeface="宋体" panose="02010600030101010101" pitchFamily="2" charset="-122"/>
+                          <a:ea typeface="宋体" panose="02010600030101010101" pitchFamily="2" charset="-122"/>
+                          <a:cs typeface="Times New Roman" panose="02020603050405020304" pitchFamily="18" charset="0"/>
+                        </a:rPr>
+                        <a:t>袁红刚</a:t>
+                      </a:r>
+                      <a:r>
+                        <a:rPr lang="en-US" altLang="zh-CN" sz="1800" kern="100" dirty="0" smtClean="0">
+                          <a:effectLst/>
+                          <a:latin typeface="宋体" panose="02010600030101010101" pitchFamily="2" charset="-122"/>
+                          <a:ea typeface="宋体" panose="02010600030101010101" pitchFamily="2" charset="-122"/>
+                          <a:cs typeface="Times New Roman" panose="02020603050405020304" pitchFamily="18" charset="0"/>
+                        </a:rPr>
+                        <a:t>,</a:t>
+                      </a:r>
+                      <a:r>
+                        <a:rPr lang="zh-CN" altLang="en-US" sz="1800" kern="100" dirty="0" smtClean="0">
+                          <a:effectLst/>
+                          <a:latin typeface="宋体" panose="02010600030101010101" pitchFamily="2" charset="-122"/>
+                          <a:ea typeface="宋体" panose="02010600030101010101" pitchFamily="2" charset="-122"/>
+                          <a:cs typeface="Times New Roman" panose="02020603050405020304" pitchFamily="18" charset="0"/>
+                        </a:rPr>
+                        <a:t>陈熙</a:t>
+                      </a:r>
+                      <a:r>
+                        <a:rPr lang="en-US" altLang="zh-CN" sz="1800" kern="100" dirty="0" smtClean="0">
+                          <a:effectLst/>
+                          <a:latin typeface="宋体" panose="02010600030101010101" pitchFamily="2" charset="-122"/>
+                          <a:ea typeface="宋体" panose="02010600030101010101" pitchFamily="2" charset="-122"/>
+                          <a:cs typeface="Times New Roman" panose="02020603050405020304" pitchFamily="18" charset="0"/>
+                        </a:rPr>
+                        <a:t>,</a:t>
+                      </a:r>
+                      <a:r>
+                        <a:rPr lang="zh-CN" altLang="en-US" sz="1800" kern="100" dirty="0" smtClean="0">
+                          <a:effectLst/>
+                          <a:latin typeface="宋体" panose="02010600030101010101" pitchFamily="2" charset="-122"/>
+                          <a:ea typeface="宋体" panose="02010600030101010101" pitchFamily="2" charset="-122"/>
+                          <a:cs typeface="Times New Roman" panose="02020603050405020304" pitchFamily="18" charset="0"/>
+                        </a:rPr>
+                        <a:t>陈柳昂</a:t>
+                      </a:r>
+                      <a:r>
+                        <a:rPr lang="en-US" altLang="zh-CN" sz="1800" kern="100" dirty="0" smtClean="0">
+                          <a:effectLst/>
+                          <a:latin typeface="宋体" panose="02010600030101010101" pitchFamily="2" charset="-122"/>
+                          <a:ea typeface="宋体" panose="02010600030101010101" pitchFamily="2" charset="-122"/>
+                          <a:cs typeface="Times New Roman" panose="02020603050405020304" pitchFamily="18" charset="0"/>
+                        </a:rPr>
+                        <a:t>,</a:t>
+                      </a:r>
+                      <a:r>
+                        <a:rPr lang="zh-CN" altLang="en-US" sz="1800" kern="100" dirty="0" smtClean="0">
+                          <a:effectLst/>
+                          <a:latin typeface="宋体" panose="02010600030101010101" pitchFamily="2" charset="-122"/>
+                          <a:ea typeface="宋体" panose="02010600030101010101" pitchFamily="2" charset="-122"/>
+                          <a:cs typeface="Times New Roman" panose="02020603050405020304" pitchFamily="18" charset="0"/>
+                        </a:rPr>
+                        <a:t>陈韶昱</a:t>
+                      </a:r>
+                      <a:r>
+                        <a:rPr lang="en-US" altLang="zh-CN" kern="100" dirty="0" smtClean="0">
+                          <a:latin typeface="宋体" panose="02010600030101010101" pitchFamily="2" charset="-122"/>
+                          <a:ea typeface="宋体" panose="02010600030101010101" pitchFamily="2" charset="-122"/>
+                          <a:cs typeface="Times New Roman" panose="02020603050405020304" pitchFamily="18" charset="0"/>
+                        </a:rPr>
+                        <a:t>,</a:t>
+                      </a:r>
+                      <a:r>
+                        <a:rPr lang="zh-CN" altLang="en-US" sz="1800" kern="100" dirty="0" smtClean="0">
+                          <a:effectLst/>
+                          <a:latin typeface="宋体" panose="02010600030101010101" pitchFamily="2" charset="-122"/>
+                          <a:ea typeface="宋体" panose="02010600030101010101" pitchFamily="2" charset="-122"/>
+                          <a:cs typeface="Times New Roman" panose="02020603050405020304" pitchFamily="18" charset="0"/>
+                        </a:rPr>
+                        <a:t>殷宇龙</a:t>
+                      </a:r>
+                      <a:r>
+                        <a:rPr lang="en-US" altLang="zh-CN" sz="1800" kern="100" dirty="0" smtClean="0">
+                          <a:effectLst/>
+                          <a:latin typeface="宋体" panose="02010600030101010101" pitchFamily="2" charset="-122"/>
+                          <a:ea typeface="宋体" panose="02010600030101010101" pitchFamily="2" charset="-122"/>
+                          <a:cs typeface="Times New Roman" panose="02020603050405020304" pitchFamily="18" charset="0"/>
+                        </a:rPr>
+                        <a:t>,</a:t>
+                      </a:r>
+                      <a:r>
+                        <a:rPr lang="zh-CN" altLang="en-US" sz="1800" kern="100" dirty="0" smtClean="0">
+                          <a:effectLst/>
+                          <a:latin typeface="宋体" panose="02010600030101010101" pitchFamily="2" charset="-122"/>
+                          <a:ea typeface="宋体" panose="02010600030101010101" pitchFamily="2" charset="-122"/>
+                          <a:cs typeface="Times New Roman" panose="02020603050405020304" pitchFamily="18" charset="0"/>
+                        </a:rPr>
+                        <a:t>程钰洋</a:t>
+                      </a:r>
                     </a:p>
                   </a:txBody>
                   <a:tcPr>
